--- a/Slides/Module 2 - Models.pptx
+++ b/Slides/Module 2 - Models.pptx
@@ -5,10 +5,10 @@
     <p:sldMasterId id="2147483660" r:id="rId4"/>
   </p:sldMasterIdLst>
   <p:notesMasterIdLst>
-    <p:notesMasterId r:id="rId35"/>
+    <p:notesMasterId r:id="rId41"/>
   </p:notesMasterIdLst>
   <p:handoutMasterIdLst>
-    <p:handoutMasterId r:id="rId36"/>
+    <p:handoutMasterId r:id="rId42"/>
   </p:handoutMasterIdLst>
   <p:sldIdLst>
     <p:sldId id="277" r:id="rId5"/>
@@ -39,8 +39,14 @@
     <p:sldId id="303" r:id="rId30"/>
     <p:sldId id="302" r:id="rId31"/>
     <p:sldId id="300" r:id="rId32"/>
-    <p:sldId id="301" r:id="rId33"/>
-    <p:sldId id="269" r:id="rId34"/>
+    <p:sldId id="307" r:id="rId33"/>
+    <p:sldId id="308" r:id="rId34"/>
+    <p:sldId id="309" r:id="rId35"/>
+    <p:sldId id="310" r:id="rId36"/>
+    <p:sldId id="311" r:id="rId37"/>
+    <p:sldId id="312" r:id="rId38"/>
+    <p:sldId id="313" r:id="rId39"/>
+    <p:sldId id="269" r:id="rId40"/>
   </p:sldIdLst>
   <p:sldSz cx="12192000" cy="6858000"/>
   <p:notesSz cx="6858000" cy="9144000"/>
@@ -232,7 +238,7 @@
           <a:p>
             <a:fld id="{312E7B4A-039C-48A2-9B2C-AF16AA3873D8}" type="datetimeFigureOut">
               <a:rPr lang="en-US" smtClean="0"/>
-              <a:t>5/19/2015</a:t>
+              <a:t>6/16/2015</a:t>
             </a:fld>
             <a:endParaRPr lang="en-US"/>
           </a:p>
@@ -397,7 +403,7 @@
           <a:p>
             <a:fld id="{DA005A0C-54D9-45AA-87D4-C551D08DFCE1}" type="datetimeFigureOut">
               <a:rPr lang="en-US" smtClean="0"/>
-              <a:t>5/19/2015</a:t>
+              <a:t>6/16/2015</a:t>
             </a:fld>
             <a:endParaRPr lang="en-US"/>
           </a:p>
@@ -1813,6 +1819,661 @@
     <p:extLst>
       <p:ext uri="{BB962C8B-B14F-4D97-AF65-F5344CB8AC3E}">
         <p14:creationId xmlns:p14="http://schemas.microsoft.com/office/powerpoint/2010/main" val="112719564"/>
+      </p:ext>
+    </p:extLst>
+  </p:cSld>
+  <p:clrMapOvr>
+    <a:masterClrMapping/>
+  </p:clrMapOvr>
+</p:notes>
+</file>
+
+<file path=ppt/notesSlides/notesSlide8.xml><?xml version="1.0" encoding="utf-8"?>
+<p:notes xmlns:a="http://schemas.openxmlformats.org/drawingml/2006/main" xmlns:r="http://schemas.openxmlformats.org/officeDocument/2006/relationships" xmlns:p="http://schemas.openxmlformats.org/presentationml/2006/main">
+  <p:cSld>
+    <p:spTree>
+      <p:nvGrpSpPr>
+        <p:cNvPr id="1" name=""/>
+        <p:cNvGrpSpPr/>
+        <p:nvPr/>
+      </p:nvGrpSpPr>
+      <p:grpSpPr>
+        <a:xfrm>
+          <a:off x="0" y="0"/>
+          <a:ext cx="0" cy="0"/>
+          <a:chOff x="0" y="0"/>
+          <a:chExt cx="0" cy="0"/>
+        </a:xfrm>
+      </p:grpSpPr>
+      <p:sp>
+        <p:nvSpPr>
+          <p:cNvPr id="2" name="Slide Image Placeholder 1"/>
+          <p:cNvSpPr>
+            <a:spLocks noGrp="1" noRot="1" noChangeAspect="1"/>
+          </p:cNvSpPr>
+          <p:nvPr>
+            <p:ph type="sldImg"/>
+          </p:nvPr>
+        </p:nvSpPr>
+        <p:spPr/>
+      </p:sp>
+      <p:sp>
+        <p:nvSpPr>
+          <p:cNvPr id="3" name="Notes Placeholder 2"/>
+          <p:cNvSpPr>
+            <a:spLocks noGrp="1"/>
+          </p:cNvSpPr>
+          <p:nvPr>
+            <p:ph type="body" idx="1"/>
+          </p:nvPr>
+        </p:nvSpPr>
+        <p:spPr/>
+        <p:txBody>
+          <a:bodyPr/>
+          <a:lstStyle/>
+          <a:p>
+            <a:r>
+              <a:rPr lang="en-US" dirty="0" smtClean="0"/>
+              <a:t>Right click on the project, choose Open Command Prompt</a:t>
+            </a:r>
+            <a:r>
+              <a:rPr lang="en-US" baseline="0" dirty="0" smtClean="0"/>
+              <a:t> Here…</a:t>
+            </a:r>
+          </a:p>
+          <a:p>
+            <a:endParaRPr lang="en-CA" baseline="0" dirty="0" smtClean="0"/>
+          </a:p>
+          <a:p>
+            <a:pPr lvl="0"/>
+            <a:r>
+              <a:rPr lang="en-US" sz="1200" kern="1200" dirty="0" smtClean="0">
+                <a:solidFill>
+                  <a:schemeClr val="tx1"/>
+                </a:solidFill>
+                <a:effectLst/>
+                <a:latin typeface="+mn-lt"/>
+                <a:ea typeface="+mn-ea"/>
+                <a:cs typeface="+mn-cs"/>
+              </a:rPr>
+              <a:t>After you have made a change to a model (like we did in Module 2 when we created the album and artist class you start but running </a:t>
+            </a:r>
+            <a:r>
+              <a:rPr lang="en-US" sz="1200" kern="1200" dirty="0" err="1" smtClean="0">
+                <a:solidFill>
+                  <a:schemeClr val="tx1"/>
+                </a:solidFill>
+                <a:effectLst/>
+                <a:latin typeface="+mn-lt"/>
+                <a:ea typeface="+mn-ea"/>
+                <a:cs typeface="+mn-cs"/>
+              </a:rPr>
+              <a:t>makemigrations</a:t>
+            </a:r>
+            <a:r>
+              <a:rPr lang="en-US" sz="1200" kern="1200" dirty="0" smtClean="0">
+                <a:solidFill>
+                  <a:schemeClr val="tx1"/>
+                </a:solidFill>
+                <a:effectLst/>
+                <a:latin typeface="+mn-lt"/>
+                <a:ea typeface="+mn-ea"/>
+                <a:cs typeface="+mn-cs"/>
+              </a:rPr>
+              <a:t>, this will scan the models be compared to current migration files and will generate a new set of migrations. Make an initial migration</a:t>
+            </a:r>
+          </a:p>
+          <a:p>
+            <a:pPr lvl="1"/>
+            <a:r>
+              <a:rPr lang="en-US" sz="1200" kern="1200" dirty="0" smtClean="0">
+                <a:solidFill>
+                  <a:schemeClr val="tx1"/>
+                </a:solidFill>
+                <a:effectLst/>
+                <a:latin typeface="+mn-lt"/>
+                <a:ea typeface="+mn-ea"/>
+                <a:cs typeface="+mn-cs"/>
+              </a:rPr>
+              <a:t>Right click on the project, choose </a:t>
+            </a:r>
+            <a:r>
+              <a:rPr lang="en-US" sz="1200" b="1" kern="1200" dirty="0" smtClean="0">
+                <a:solidFill>
+                  <a:schemeClr val="tx1"/>
+                </a:solidFill>
+                <a:effectLst/>
+                <a:latin typeface="+mn-lt"/>
+                <a:ea typeface="+mn-ea"/>
+                <a:cs typeface="+mn-cs"/>
+              </a:rPr>
+              <a:t>Open Command Prompt Here</a:t>
+            </a:r>
+            <a:endParaRPr lang="en-US" sz="1200" kern="1200" dirty="0" smtClean="0">
+              <a:solidFill>
+                <a:schemeClr val="tx1"/>
+              </a:solidFill>
+              <a:effectLst/>
+              <a:latin typeface="+mn-lt"/>
+              <a:ea typeface="+mn-ea"/>
+              <a:cs typeface="+mn-cs"/>
+            </a:endParaRPr>
+          </a:p>
+          <a:p>
+            <a:pPr lvl="1"/>
+            <a:r>
+              <a:rPr lang="en-US" sz="1200" kern="1200" dirty="0" smtClean="0">
+                <a:solidFill>
+                  <a:schemeClr val="tx1"/>
+                </a:solidFill>
+                <a:effectLst/>
+                <a:latin typeface="+mn-lt"/>
+                <a:ea typeface="+mn-ea"/>
+                <a:cs typeface="+mn-cs"/>
+              </a:rPr>
+              <a:t>Type </a:t>
+            </a:r>
+            <a:r>
+              <a:rPr lang="en-US" sz="1200" b="1" kern="1200" dirty="0" smtClean="0">
+                <a:solidFill>
+                  <a:schemeClr val="tx1"/>
+                </a:solidFill>
+                <a:effectLst/>
+                <a:latin typeface="+mn-lt"/>
+                <a:ea typeface="+mn-ea"/>
+                <a:cs typeface="+mn-cs"/>
+              </a:rPr>
+              <a:t>python manage.py </a:t>
+            </a:r>
+            <a:r>
+              <a:rPr lang="en-US" sz="1200" b="1" kern="1200" dirty="0" err="1" smtClean="0">
+                <a:solidFill>
+                  <a:schemeClr val="tx1"/>
+                </a:solidFill>
+                <a:effectLst/>
+                <a:latin typeface="+mn-lt"/>
+                <a:ea typeface="+mn-ea"/>
+                <a:cs typeface="+mn-cs"/>
+              </a:rPr>
+              <a:t>makemigrations</a:t>
+            </a:r>
+            <a:r>
+              <a:rPr lang="en-US" sz="1200" b="1" kern="1200" dirty="0" smtClean="0">
+                <a:solidFill>
+                  <a:schemeClr val="tx1"/>
+                </a:solidFill>
+                <a:effectLst/>
+                <a:latin typeface="+mn-lt"/>
+                <a:ea typeface="+mn-ea"/>
+                <a:cs typeface="+mn-cs"/>
+              </a:rPr>
+              <a:t> --name </a:t>
+            </a:r>
+            <a:r>
+              <a:rPr lang="en-US" sz="1200" b="1" i="1" kern="1200" dirty="0" smtClean="0">
+                <a:solidFill>
+                  <a:schemeClr val="tx1"/>
+                </a:solidFill>
+                <a:effectLst/>
+                <a:latin typeface="+mn-lt"/>
+                <a:ea typeface="+mn-ea"/>
+                <a:cs typeface="+mn-cs"/>
+              </a:rPr>
+              <a:t>initial</a:t>
+            </a:r>
+            <a:r>
+              <a:rPr lang="en-US" sz="1200" b="1" kern="1200" dirty="0" smtClean="0">
+                <a:solidFill>
+                  <a:schemeClr val="tx1"/>
+                </a:solidFill>
+                <a:effectLst/>
+                <a:latin typeface="+mn-lt"/>
+                <a:ea typeface="+mn-ea"/>
+                <a:cs typeface="+mn-cs"/>
+              </a:rPr>
+              <a:t> app</a:t>
+            </a:r>
+            <a:endParaRPr lang="en-US" sz="1200" kern="1200" dirty="0" smtClean="0">
+              <a:solidFill>
+                <a:schemeClr val="tx1"/>
+              </a:solidFill>
+              <a:effectLst/>
+              <a:latin typeface="+mn-lt"/>
+              <a:ea typeface="+mn-ea"/>
+              <a:cs typeface="+mn-cs"/>
+            </a:endParaRPr>
+          </a:p>
+          <a:p>
+            <a:pPr lvl="2"/>
+            <a:r>
+              <a:rPr lang="en-US" sz="1200" kern="1200" dirty="0" smtClean="0">
+                <a:solidFill>
+                  <a:schemeClr val="tx1"/>
+                </a:solidFill>
+                <a:effectLst/>
+                <a:latin typeface="+mn-lt"/>
+                <a:ea typeface="+mn-ea"/>
+                <a:cs typeface="+mn-cs"/>
+              </a:rPr>
+              <a:t>“Initial” will be the name of the migration</a:t>
+            </a:r>
+          </a:p>
+          <a:p>
+            <a:pPr lvl="2"/>
+            <a:r>
+              <a:rPr lang="en-US" sz="1200" kern="1200" dirty="0" smtClean="0">
+                <a:solidFill>
+                  <a:schemeClr val="tx1"/>
+                </a:solidFill>
+                <a:effectLst/>
+                <a:latin typeface="+mn-lt"/>
+                <a:ea typeface="+mn-ea"/>
+                <a:cs typeface="+mn-cs"/>
+              </a:rPr>
+              <a:t>“App” is the name of the application in the project</a:t>
+            </a:r>
+          </a:p>
+          <a:p>
+            <a:pPr lvl="0"/>
+            <a:r>
+              <a:rPr lang="en-US" sz="1200" kern="1200" dirty="0" smtClean="0">
+                <a:solidFill>
+                  <a:schemeClr val="tx1"/>
+                </a:solidFill>
+                <a:effectLst/>
+                <a:latin typeface="+mn-lt"/>
+                <a:ea typeface="+mn-ea"/>
+                <a:cs typeface="+mn-cs"/>
+              </a:rPr>
+              <a:t>If you want you can see the migration created to find out the file name. Show the migrations</a:t>
+            </a:r>
+          </a:p>
+          <a:p>
+            <a:pPr lvl="1"/>
+            <a:r>
+              <a:rPr lang="en-US" sz="1200" kern="1200" dirty="0" smtClean="0">
+                <a:solidFill>
+                  <a:schemeClr val="tx1"/>
+                </a:solidFill>
+                <a:effectLst/>
+                <a:latin typeface="+mn-lt"/>
+                <a:ea typeface="+mn-ea"/>
+                <a:cs typeface="+mn-cs"/>
+              </a:rPr>
+              <a:t>Type </a:t>
+            </a:r>
+            <a:r>
+              <a:rPr lang="en-US" sz="1200" b="1" kern="1200" dirty="0" smtClean="0">
+                <a:solidFill>
+                  <a:schemeClr val="tx1"/>
+                </a:solidFill>
+                <a:effectLst/>
+                <a:latin typeface="+mn-lt"/>
+                <a:ea typeface="+mn-ea"/>
+                <a:cs typeface="+mn-cs"/>
+              </a:rPr>
+              <a:t>python manage.py </a:t>
+            </a:r>
+            <a:r>
+              <a:rPr lang="en-US" sz="1200" b="1" kern="1200" dirty="0" err="1" smtClean="0">
+                <a:solidFill>
+                  <a:schemeClr val="tx1"/>
+                </a:solidFill>
+                <a:effectLst/>
+                <a:latin typeface="+mn-lt"/>
+                <a:ea typeface="+mn-ea"/>
+                <a:cs typeface="+mn-cs"/>
+              </a:rPr>
+              <a:t>showmigrations</a:t>
+            </a:r>
+            <a:r>
+              <a:rPr lang="en-US" sz="1200" b="1" kern="1200" dirty="0" smtClean="0">
+                <a:solidFill>
+                  <a:schemeClr val="tx1"/>
+                </a:solidFill>
+                <a:effectLst/>
+                <a:latin typeface="+mn-lt"/>
+                <a:ea typeface="+mn-ea"/>
+                <a:cs typeface="+mn-cs"/>
+              </a:rPr>
+              <a:t> app</a:t>
+            </a:r>
+            <a:endParaRPr lang="en-US" sz="1200" kern="1200" dirty="0" smtClean="0">
+              <a:solidFill>
+                <a:schemeClr val="tx1"/>
+              </a:solidFill>
+              <a:effectLst/>
+              <a:latin typeface="+mn-lt"/>
+              <a:ea typeface="+mn-ea"/>
+              <a:cs typeface="+mn-cs"/>
+            </a:endParaRPr>
+          </a:p>
+          <a:p>
+            <a:pPr lvl="2"/>
+            <a:r>
+              <a:rPr lang="en-US" sz="1200" kern="1200" dirty="0" smtClean="0">
+                <a:solidFill>
+                  <a:schemeClr val="tx1"/>
+                </a:solidFill>
+                <a:effectLst/>
+                <a:latin typeface="+mn-lt"/>
+                <a:ea typeface="+mn-ea"/>
+                <a:cs typeface="+mn-cs"/>
+              </a:rPr>
+              <a:t>App is the name of the application</a:t>
+            </a:r>
+          </a:p>
+          <a:p>
+            <a:pPr lvl="2"/>
+            <a:r>
+              <a:rPr lang="en-US" sz="1200" kern="1200" dirty="0" smtClean="0">
+                <a:solidFill>
+                  <a:schemeClr val="tx1"/>
+                </a:solidFill>
+                <a:effectLst/>
+                <a:latin typeface="+mn-lt"/>
+                <a:ea typeface="+mn-ea"/>
+                <a:cs typeface="+mn-cs"/>
+              </a:rPr>
+              <a:t>This will display 0001_initial as the available migration</a:t>
+            </a:r>
+          </a:p>
+          <a:p>
+            <a:pPr lvl="0"/>
+            <a:r>
+              <a:rPr lang="en-US" sz="1200" kern="1200" dirty="0" smtClean="0">
+                <a:solidFill>
+                  <a:schemeClr val="tx1"/>
+                </a:solidFill>
+                <a:effectLst/>
+                <a:latin typeface="+mn-lt"/>
+                <a:ea typeface="+mn-ea"/>
+                <a:cs typeface="+mn-cs"/>
+              </a:rPr>
+              <a:t>If you want, you can display the SQL that will be used to create the tables</a:t>
+            </a:r>
+          </a:p>
+          <a:p>
+            <a:pPr lvl="1"/>
+            <a:r>
+              <a:rPr lang="en-US" sz="1200" kern="1200" dirty="0" smtClean="0">
+                <a:solidFill>
+                  <a:schemeClr val="tx1"/>
+                </a:solidFill>
+                <a:effectLst/>
+                <a:latin typeface="+mn-lt"/>
+                <a:ea typeface="+mn-ea"/>
+                <a:cs typeface="+mn-cs"/>
+              </a:rPr>
+              <a:t>Type </a:t>
+            </a:r>
+            <a:r>
+              <a:rPr lang="en-US" sz="1200" b="1" kern="1200" dirty="0" smtClean="0">
+                <a:solidFill>
+                  <a:schemeClr val="tx1"/>
+                </a:solidFill>
+                <a:effectLst/>
+                <a:latin typeface="+mn-lt"/>
+                <a:ea typeface="+mn-ea"/>
+                <a:cs typeface="+mn-cs"/>
+              </a:rPr>
+              <a:t>python manage.py </a:t>
+            </a:r>
+            <a:r>
+              <a:rPr lang="en-US" sz="1200" b="1" kern="1200" dirty="0" err="1" smtClean="0">
+                <a:solidFill>
+                  <a:schemeClr val="tx1"/>
+                </a:solidFill>
+                <a:effectLst/>
+                <a:latin typeface="+mn-lt"/>
+                <a:ea typeface="+mn-ea"/>
+                <a:cs typeface="+mn-cs"/>
+              </a:rPr>
+              <a:t>sqlmigrate</a:t>
+            </a:r>
+            <a:r>
+              <a:rPr lang="en-US" sz="1200" b="1" kern="1200" dirty="0" smtClean="0">
+                <a:solidFill>
+                  <a:schemeClr val="tx1"/>
+                </a:solidFill>
+                <a:effectLst/>
+                <a:latin typeface="+mn-lt"/>
+                <a:ea typeface="+mn-ea"/>
+                <a:cs typeface="+mn-cs"/>
+              </a:rPr>
+              <a:t> app 0001_initial</a:t>
+            </a:r>
+            <a:endParaRPr lang="en-US" sz="1200" kern="1200" dirty="0" smtClean="0">
+              <a:solidFill>
+                <a:schemeClr val="tx1"/>
+              </a:solidFill>
+              <a:effectLst/>
+              <a:latin typeface="+mn-lt"/>
+              <a:ea typeface="+mn-ea"/>
+              <a:cs typeface="+mn-cs"/>
+            </a:endParaRPr>
+          </a:p>
+          <a:p>
+            <a:pPr lvl="2"/>
+            <a:r>
+              <a:rPr lang="en-US" sz="1200" b="1" kern="1200" dirty="0" smtClean="0">
+                <a:solidFill>
+                  <a:schemeClr val="tx1"/>
+                </a:solidFill>
+                <a:effectLst/>
+                <a:latin typeface="+mn-lt"/>
+                <a:ea typeface="+mn-ea"/>
+                <a:cs typeface="+mn-cs"/>
+              </a:rPr>
+              <a:t>App</a:t>
+            </a:r>
+            <a:r>
+              <a:rPr lang="en-US" sz="1200" kern="1200" dirty="0" smtClean="0">
+                <a:solidFill>
+                  <a:schemeClr val="tx1"/>
+                </a:solidFill>
+                <a:effectLst/>
+                <a:latin typeface="+mn-lt"/>
+                <a:ea typeface="+mn-ea"/>
+                <a:cs typeface="+mn-cs"/>
+              </a:rPr>
+              <a:t> is the name of the application</a:t>
+            </a:r>
+          </a:p>
+          <a:p>
+            <a:pPr lvl="2"/>
+            <a:r>
+              <a:rPr lang="en-US" sz="1200" b="1" kern="1200" dirty="0" smtClean="0">
+                <a:solidFill>
+                  <a:schemeClr val="tx1"/>
+                </a:solidFill>
+                <a:effectLst/>
+                <a:latin typeface="+mn-lt"/>
+                <a:ea typeface="+mn-ea"/>
+                <a:cs typeface="+mn-cs"/>
+              </a:rPr>
+              <a:t>0001_initial</a:t>
+            </a:r>
+            <a:r>
+              <a:rPr lang="en-US" sz="1200" kern="1200" dirty="0" smtClean="0">
+                <a:solidFill>
+                  <a:schemeClr val="tx1"/>
+                </a:solidFill>
+                <a:effectLst/>
+                <a:latin typeface="+mn-lt"/>
+                <a:ea typeface="+mn-ea"/>
+                <a:cs typeface="+mn-cs"/>
+              </a:rPr>
+              <a:t> is the name of the migration</a:t>
+            </a:r>
+          </a:p>
+          <a:p>
+            <a:pPr lvl="2"/>
+            <a:r>
+              <a:rPr lang="en-US" sz="1200" kern="1200" dirty="0" smtClean="0">
+                <a:solidFill>
+                  <a:schemeClr val="tx1"/>
+                </a:solidFill>
+                <a:effectLst/>
+                <a:latin typeface="+mn-lt"/>
+                <a:ea typeface="+mn-ea"/>
+                <a:cs typeface="+mn-cs"/>
+              </a:rPr>
+              <a:t>The SQL is displayed</a:t>
+            </a:r>
+          </a:p>
+          <a:p>
+            <a:pPr lvl="0"/>
+            <a:r>
+              <a:rPr lang="en-US" sz="1200" kern="1200" dirty="0" smtClean="0">
+                <a:solidFill>
+                  <a:schemeClr val="tx1"/>
+                </a:solidFill>
+                <a:effectLst/>
+                <a:latin typeface="+mn-lt"/>
+                <a:ea typeface="+mn-ea"/>
+                <a:cs typeface="+mn-cs"/>
+              </a:rPr>
+              <a:t>Now you can actually apply the migration, to update the databases. </a:t>
+            </a:r>
+          </a:p>
+          <a:p>
+            <a:pPr lvl="1"/>
+            <a:r>
+              <a:rPr lang="en-US" sz="1200" kern="1200" dirty="0" smtClean="0">
+                <a:solidFill>
+                  <a:schemeClr val="tx1"/>
+                </a:solidFill>
+                <a:effectLst/>
+                <a:latin typeface="+mn-lt"/>
+                <a:ea typeface="+mn-ea"/>
+                <a:cs typeface="+mn-cs"/>
+              </a:rPr>
+              <a:t>Type </a:t>
+            </a:r>
+            <a:r>
+              <a:rPr lang="en-US" sz="1200" b="1" kern="1200" dirty="0" smtClean="0">
+                <a:solidFill>
+                  <a:schemeClr val="tx1"/>
+                </a:solidFill>
+                <a:effectLst/>
+                <a:latin typeface="+mn-lt"/>
+                <a:ea typeface="+mn-ea"/>
+                <a:cs typeface="+mn-cs"/>
+              </a:rPr>
+              <a:t>python manage.py migrate</a:t>
+            </a:r>
+            <a:endParaRPr lang="en-US" sz="1200" kern="1200" dirty="0" smtClean="0">
+              <a:solidFill>
+                <a:schemeClr val="tx1"/>
+              </a:solidFill>
+              <a:effectLst/>
+              <a:latin typeface="+mn-lt"/>
+              <a:ea typeface="+mn-ea"/>
+              <a:cs typeface="+mn-cs"/>
+            </a:endParaRPr>
+          </a:p>
+          <a:p>
+            <a:pPr lvl="2"/>
+            <a:r>
+              <a:rPr lang="en-US" sz="1200" kern="1200" dirty="0" smtClean="0">
+                <a:solidFill>
+                  <a:schemeClr val="tx1"/>
+                </a:solidFill>
+                <a:effectLst/>
+                <a:latin typeface="+mn-lt"/>
+                <a:ea typeface="+mn-ea"/>
+                <a:cs typeface="+mn-cs"/>
+              </a:rPr>
+              <a:t>This will create the necessary items inside the database for Django</a:t>
+            </a:r>
+          </a:p>
+          <a:p>
+            <a:pPr lvl="1"/>
+            <a:r>
+              <a:rPr lang="en-US" sz="1200" kern="1200" dirty="0" smtClean="0">
+                <a:solidFill>
+                  <a:schemeClr val="tx1"/>
+                </a:solidFill>
+                <a:effectLst/>
+                <a:latin typeface="+mn-lt"/>
+                <a:ea typeface="+mn-ea"/>
+                <a:cs typeface="+mn-cs"/>
+              </a:rPr>
+              <a:t>Type </a:t>
+            </a:r>
+            <a:r>
+              <a:rPr lang="en-US" sz="1200" b="1" kern="1200" dirty="0" smtClean="0">
+                <a:solidFill>
+                  <a:schemeClr val="tx1"/>
+                </a:solidFill>
+                <a:effectLst/>
+                <a:latin typeface="+mn-lt"/>
+                <a:ea typeface="+mn-ea"/>
+                <a:cs typeface="+mn-cs"/>
+              </a:rPr>
+              <a:t>python manage.py migrate app 0001_initial</a:t>
+            </a:r>
+            <a:endParaRPr lang="en-US" sz="1200" kern="1200" dirty="0" smtClean="0">
+              <a:solidFill>
+                <a:schemeClr val="tx1"/>
+              </a:solidFill>
+              <a:effectLst/>
+              <a:latin typeface="+mn-lt"/>
+              <a:ea typeface="+mn-ea"/>
+              <a:cs typeface="+mn-cs"/>
+            </a:endParaRPr>
+          </a:p>
+          <a:p>
+            <a:pPr lvl="2"/>
+            <a:r>
+              <a:rPr lang="en-US" sz="1200" kern="1200" dirty="0" smtClean="0">
+                <a:solidFill>
+                  <a:schemeClr val="tx1"/>
+                </a:solidFill>
+                <a:effectLst/>
+                <a:latin typeface="+mn-lt"/>
+                <a:ea typeface="+mn-ea"/>
+                <a:cs typeface="+mn-cs"/>
+              </a:rPr>
+              <a:t>This will create the tables for the model we created</a:t>
+            </a:r>
+          </a:p>
+          <a:p>
+            <a:endParaRPr lang="en-US" baseline="0" dirty="0" smtClean="0"/>
+          </a:p>
+          <a:p>
+            <a:endParaRPr lang="en-US" dirty="0"/>
+          </a:p>
+        </p:txBody>
+      </p:sp>
+      <p:sp>
+        <p:nvSpPr>
+          <p:cNvPr id="4" name="Slide Number Placeholder 3"/>
+          <p:cNvSpPr>
+            <a:spLocks noGrp="1"/>
+          </p:cNvSpPr>
+          <p:nvPr>
+            <p:ph type="sldNum" sz="quarter" idx="10"/>
+          </p:nvPr>
+        </p:nvSpPr>
+        <p:spPr/>
+        <p:txBody>
+          <a:bodyPr/>
+          <a:lstStyle/>
+          <a:p>
+            <a:fld id="{4CFD207A-07DF-40AD-A916-9872E089CE7A}" type="slidenum">
+              <a:rPr lang="en-US" smtClean="0"/>
+              <a:t>35</a:t>
+            </a:fld>
+            <a:endParaRPr lang="en-US"/>
+          </a:p>
+        </p:txBody>
+      </p:sp>
+    </p:spTree>
+    <p:extLst>
+      <p:ext uri="{BB962C8B-B14F-4D97-AF65-F5344CB8AC3E}">
+        <p14:creationId xmlns:p14="http://schemas.microsoft.com/office/powerpoint/2010/main" val="1389416945"/>
       </p:ext>
     </p:extLst>
   </p:cSld>
@@ -4594,7 +5255,11 @@
             <a:pPr marL="914400" indent="-914400"/>
             <a:r>
               <a:rPr lang="en-US" dirty="0" smtClean="0"/>
-              <a:t>02 | Building models</a:t>
+              <a:t>02 | Building models </a:t>
+            </a:r>
+            <a:r>
+              <a:rPr lang="en-US" smtClean="0"/>
+              <a:t>and databases</a:t>
             </a:r>
             <a:endParaRPr lang="en-US" dirty="0"/>
           </a:p>
@@ -4617,14 +5282,14 @@
           <a:p>
             <a:r>
               <a:rPr lang="en-US" dirty="0" smtClean="0"/>
-              <a:t>Susan Ibach</a:t>
+              <a:t>Susan Ibach | Senior Technical Evangelist</a:t>
             </a:r>
             <a:endParaRPr lang="en-US" dirty="0"/>
           </a:p>
           <a:p>
             <a:r>
               <a:rPr lang="en-US" dirty="0" smtClean="0"/>
-              <a:t>Christopher Harrison</a:t>
+              <a:t>Christopher Harrison | Senior Content Developer</a:t>
             </a:r>
             <a:endParaRPr lang="en-US" dirty="0"/>
           </a:p>
@@ -4728,7 +5393,7 @@
             <a:pPr lvl="1"/>
             <a:r>
               <a:rPr lang="en-US" dirty="0" smtClean="0"/>
-              <a:t>Might tie the application to one database</a:t>
+              <a:t>Might tie the application to a specific database product</a:t>
             </a:r>
             <a:endParaRPr lang="en-US" dirty="0"/>
           </a:p>
@@ -4744,6 +5409,13 @@
   <p:clrMapOvr>
     <a:masterClrMapping/>
   </p:clrMapOvr>
+  <p:timing>
+    <p:tnLst>
+      <p:par>
+        <p:cTn id="1" dur="indefinite" restart="never" nodeType="tmRoot"/>
+      </p:par>
+    </p:tnLst>
+  </p:timing>
 </p:sld>
 </file>
 
@@ -4808,16 +5480,9 @@
             </a:r>
           </a:p>
           <a:p>
-            <a:pPr lvl="1"/>
-            <a:r>
-              <a:rPr lang="en-US" dirty="0" smtClean="0"/>
-              <a:t>ORM can also be a noun (object-relational mapper)</a:t>
-            </a:r>
-          </a:p>
-          <a:p>
-            <a:r>
-              <a:rPr lang="en-US" dirty="0" smtClean="0"/>
-              <a:t>ORM is about creating a layer between your application and the database</a:t>
+            <a:r>
+              <a:rPr lang="en-US" dirty="0" smtClean="0"/>
+              <a:t>ORM is a layer between your application and the database</a:t>
             </a:r>
           </a:p>
           <a:p>
@@ -4847,6 +5512,13 @@
   <p:clrMapOvr>
     <a:masterClrMapping/>
   </p:clrMapOvr>
+  <p:timing>
+    <p:tnLst>
+      <p:par>
+        <p:cTn id="1" dur="indefinite" restart="never" nodeType="tmRoot"/>
+      </p:par>
+    </p:tnLst>
+  </p:timing>
 </p:sld>
 </file>
 
@@ -4883,66 +5555,30 @@
           <a:lstStyle/>
           <a:p>
             <a:r>
-              <a:rPr lang="en-US" dirty="0" smtClean="0">
-                <a:solidFill>
-                  <a:srgbClr val="FF0000"/>
-                </a:solidFill>
-              </a:rPr>
-              <a:t>DIAGRAM</a:t>
-            </a:r>
-            <a:endParaRPr lang="en-US" dirty="0">
-              <a:solidFill>
-                <a:srgbClr val="FF0000"/>
-              </a:solidFill>
-            </a:endParaRPr>
+              <a:rPr lang="en-US" dirty="0" smtClean="0"/>
+              <a:t>What is ORM?</a:t>
+            </a:r>
+            <a:endParaRPr lang="en-US" dirty="0"/>
           </a:p>
         </p:txBody>
       </p:sp>
       <p:sp>
         <p:nvSpPr>
-          <p:cNvPr id="3" name="Content Placeholder 2"/>
-          <p:cNvSpPr>
-            <a:spLocks noGrp="1"/>
-          </p:cNvSpPr>
-          <p:nvPr>
-            <p:ph sz="quarter" idx="10"/>
-          </p:nvPr>
-        </p:nvSpPr>
-        <p:spPr/>
-        <p:txBody>
-          <a:bodyPr/>
-          <a:lstStyle/>
-          <a:p>
-            <a:r>
-              <a:rPr lang="en-US" dirty="0" smtClean="0">
-                <a:solidFill>
-                  <a:srgbClr val="FF0000"/>
-                </a:solidFill>
-              </a:rPr>
-              <a:t>Diagram the ORM and Database</a:t>
-            </a:r>
-            <a:endParaRPr lang="en-US" dirty="0">
-              <a:solidFill>
-                <a:srgbClr val="FF0000"/>
-              </a:solidFill>
-            </a:endParaRPr>
-          </a:p>
-        </p:txBody>
-      </p:sp>
-      <p:sp>
-        <p:nvSpPr>
-          <p:cNvPr id="4" name="Rounded Rectangle 3"/>
+          <p:cNvPr id="5" name="Can 4"/>
           <p:cNvSpPr/>
           <p:nvPr/>
         </p:nvSpPr>
         <p:spPr>
           <a:xfrm>
-            <a:off x="3365369" y="2328421"/>
-            <a:ext cx="3799002" cy="2469822"/>
+            <a:off x="8534258" y="2412262"/>
+            <a:ext cx="2884602" cy="1979629"/>
           </a:xfrm>
-          <a:prstGeom prst="roundRect">
+          <a:prstGeom prst="can">
             <a:avLst/>
           </a:prstGeom>
+          <a:solidFill>
+            <a:srgbClr val="00B0F0"/>
+          </a:solidFill>
         </p:spPr>
         <p:style>
           <a:lnRef idx="0">
@@ -4964,37 +5600,96 @@
           <a:p>
             <a:pPr algn="ctr"/>
             <a:r>
-              <a:rPr lang="en-US" dirty="0" smtClean="0"/>
-              <a:t>ORM</a:t>
+              <a:rPr lang="en-CA" dirty="0" smtClean="0"/>
+              <a:t>Database</a:t>
             </a:r>
             <a:endParaRPr lang="en-US" dirty="0"/>
           </a:p>
         </p:txBody>
       </p:sp>
+      <p:graphicFrame>
+        <p:nvGraphicFramePr>
+          <p:cNvPr id="7" name="Table 6"/>
+          <p:cNvGraphicFramePr>
+            <a:graphicFrameLocks noGrp="1"/>
+          </p:cNvGraphicFramePr>
+          <p:nvPr>
+            <p:extLst>
+              <p:ext uri="{D42A27DB-BD31-4B8C-83A1-F6EECF244321}">
+                <p14:modId xmlns:p14="http://schemas.microsoft.com/office/powerpoint/2010/main" val="3709071091"/>
+              </p:ext>
+            </p:extLst>
+          </p:nvPr>
+        </p:nvGraphicFramePr>
+        <p:xfrm>
+          <a:off x="818129" y="3036880"/>
+          <a:ext cx="2540000" cy="1148022"/>
+        </p:xfrm>
+        <a:graphic>
+          <a:graphicData uri="http://schemas.openxmlformats.org/drawingml/2006/table">
+            <a:tbl>
+              <a:tblPr firstRow="1" bandRow="1">
+                <a:tableStyleId>{7DF18680-E054-41AD-8BC1-D1AEF772440D}</a:tableStyleId>
+              </a:tblPr>
+              <a:tblGrid>
+                <a:gridCol w="2540000"/>
+              </a:tblGrid>
+              <a:tr h="574011">
+                <a:tc>
+                  <a:txBody>
+                    <a:bodyPr/>
+                    <a:lstStyle/>
+                    <a:p>
+                      <a:r>
+                        <a:rPr lang="en-CA" dirty="0" smtClean="0"/>
+                        <a:t>Artist</a:t>
+                      </a:r>
+                      <a:endParaRPr lang="en-US" dirty="0"/>
+                    </a:p>
+                  </a:txBody>
+                  <a:tcPr/>
+                </a:tc>
+              </a:tr>
+              <a:tr h="574011">
+                <a:tc>
+                  <a:txBody>
+                    <a:bodyPr/>
+                    <a:lstStyle/>
+                    <a:p>
+                      <a:endParaRPr lang="en-US" dirty="0"/>
+                    </a:p>
+                  </a:txBody>
+                  <a:tcPr/>
+                </a:tc>
+              </a:tr>
+            </a:tbl>
+          </a:graphicData>
+        </a:graphic>
+      </p:graphicFrame>
       <p:sp>
         <p:nvSpPr>
-          <p:cNvPr id="5" name="Can 4"/>
+          <p:cNvPr id="12" name="Rounded Rectangle 11"/>
           <p:cNvSpPr/>
           <p:nvPr/>
         </p:nvSpPr>
         <p:spPr>
           <a:xfrm>
-            <a:off x="8908330" y="3139126"/>
-            <a:ext cx="2884602" cy="1979629"/>
+            <a:off x="4322618" y="2592371"/>
+            <a:ext cx="3158837" cy="1799520"/>
           </a:xfrm>
-          <a:prstGeom prst="can">
+          <a:prstGeom prst="roundRect">
             <a:avLst/>
           </a:prstGeom>
         </p:spPr>
         <p:style>
-          <a:lnRef idx="0">
-            <a:schemeClr val="accent2"/>
+          <a:lnRef idx="1">
+            <a:schemeClr val="accent5"/>
           </a:lnRef>
           <a:fillRef idx="3">
-            <a:schemeClr val="accent2"/>
+            <a:schemeClr val="accent5"/>
           </a:fillRef>
-          <a:effectRef idx="3">
-            <a:schemeClr val="accent2"/>
+          <a:effectRef idx="2">
+            <a:schemeClr val="accent5"/>
           </a:effectRef>
           <a:fontRef idx="minor">
             <a:schemeClr val="lt1"/>
@@ -5005,34 +5700,38 @@
           <a:lstStyle/>
           <a:p>
             <a:pPr algn="ctr"/>
-            <a:endParaRPr lang="en-US"/>
+            <a:r>
+              <a:rPr lang="en-CA" dirty="0" smtClean="0"/>
+              <a:t>ORM</a:t>
+            </a:r>
+            <a:endParaRPr lang="en-US" dirty="0"/>
           </a:p>
         </p:txBody>
       </p:sp>
       <p:sp>
         <p:nvSpPr>
-          <p:cNvPr id="6" name="Smiley Face 5"/>
+          <p:cNvPr id="13" name="Right Arrow 12"/>
           <p:cNvSpPr/>
           <p:nvPr/>
         </p:nvSpPr>
         <p:spPr>
           <a:xfrm>
-            <a:off x="379413" y="2978870"/>
-            <a:ext cx="1741618" cy="1593130"/>
+            <a:off x="3453604" y="3018245"/>
+            <a:ext cx="825239" cy="427920"/>
           </a:xfrm>
-          <a:prstGeom prst="smileyFace">
+          <a:prstGeom prst="rightArrow">
             <a:avLst/>
           </a:prstGeom>
         </p:spPr>
         <p:style>
-          <a:lnRef idx="0">
-            <a:schemeClr val="accent2"/>
+          <a:lnRef idx="1">
+            <a:schemeClr val="accent6"/>
           </a:lnRef>
           <a:fillRef idx="3">
-            <a:schemeClr val="accent2"/>
+            <a:schemeClr val="accent6"/>
           </a:fillRef>
-          <a:effectRef idx="3">
-            <a:schemeClr val="accent2"/>
+          <a:effectRef idx="2">
+            <a:schemeClr val="accent6"/>
           </a:effectRef>
           <a:fontRef idx="minor">
             <a:schemeClr val="lt1"/>
@@ -5044,6 +5743,222 @@
           <a:p>
             <a:pPr algn="ctr"/>
             <a:endParaRPr lang="en-US"/>
+          </a:p>
+        </p:txBody>
+      </p:sp>
+      <p:sp>
+        <p:nvSpPr>
+          <p:cNvPr id="14" name="Right Arrow 13"/>
+          <p:cNvSpPr/>
+          <p:nvPr/>
+        </p:nvSpPr>
+        <p:spPr>
+          <a:xfrm rot="10800000">
+            <a:off x="3370112" y="3653052"/>
+            <a:ext cx="825239" cy="427920"/>
+          </a:xfrm>
+          <a:prstGeom prst="rightArrow">
+            <a:avLst/>
+          </a:prstGeom>
+        </p:spPr>
+        <p:style>
+          <a:lnRef idx="1">
+            <a:schemeClr val="accent6"/>
+          </a:lnRef>
+          <a:fillRef idx="3">
+            <a:schemeClr val="accent6"/>
+          </a:fillRef>
+          <a:effectRef idx="2">
+            <a:schemeClr val="accent6"/>
+          </a:effectRef>
+          <a:fontRef idx="minor">
+            <a:schemeClr val="lt1"/>
+          </a:fontRef>
+        </p:style>
+        <p:txBody>
+          <a:bodyPr rtlCol="0" anchor="ctr"/>
+          <a:lstStyle/>
+          <a:p>
+            <a:pPr algn="ctr"/>
+            <a:endParaRPr lang="en-US"/>
+          </a:p>
+        </p:txBody>
+      </p:sp>
+      <p:sp>
+        <p:nvSpPr>
+          <p:cNvPr id="15" name="Right Arrow 14"/>
+          <p:cNvSpPr/>
+          <p:nvPr/>
+        </p:nvSpPr>
+        <p:spPr>
+          <a:xfrm rot="10800000">
+            <a:off x="7595237" y="3609630"/>
+            <a:ext cx="825239" cy="427920"/>
+          </a:xfrm>
+          <a:prstGeom prst="rightArrow">
+            <a:avLst/>
+          </a:prstGeom>
+        </p:spPr>
+        <p:style>
+          <a:lnRef idx="1">
+            <a:schemeClr val="accent6"/>
+          </a:lnRef>
+          <a:fillRef idx="3">
+            <a:schemeClr val="accent6"/>
+          </a:fillRef>
+          <a:effectRef idx="2">
+            <a:schemeClr val="accent6"/>
+          </a:effectRef>
+          <a:fontRef idx="minor">
+            <a:schemeClr val="lt1"/>
+          </a:fontRef>
+        </p:style>
+        <p:txBody>
+          <a:bodyPr rtlCol="0" anchor="ctr"/>
+          <a:lstStyle/>
+          <a:p>
+            <a:pPr algn="ctr"/>
+            <a:endParaRPr lang="en-US"/>
+          </a:p>
+        </p:txBody>
+      </p:sp>
+      <p:sp>
+        <p:nvSpPr>
+          <p:cNvPr id="16" name="Right Arrow 15"/>
+          <p:cNvSpPr/>
+          <p:nvPr/>
+        </p:nvSpPr>
+        <p:spPr>
+          <a:xfrm>
+            <a:off x="7595237" y="2896488"/>
+            <a:ext cx="825239" cy="427920"/>
+          </a:xfrm>
+          <a:prstGeom prst="rightArrow">
+            <a:avLst/>
+          </a:prstGeom>
+        </p:spPr>
+        <p:style>
+          <a:lnRef idx="1">
+            <a:schemeClr val="accent6"/>
+          </a:lnRef>
+          <a:fillRef idx="3">
+            <a:schemeClr val="accent6"/>
+          </a:fillRef>
+          <a:effectRef idx="2">
+            <a:schemeClr val="accent6"/>
+          </a:effectRef>
+          <a:fontRef idx="minor">
+            <a:schemeClr val="lt1"/>
+          </a:fontRef>
+        </p:style>
+        <p:txBody>
+          <a:bodyPr rtlCol="0" anchor="ctr"/>
+          <a:lstStyle/>
+          <a:p>
+            <a:pPr algn="ctr"/>
+            <a:endParaRPr lang="en-US"/>
+          </a:p>
+        </p:txBody>
+      </p:sp>
+      <p:sp>
+        <p:nvSpPr>
+          <p:cNvPr id="17" name="TextBox 16"/>
+          <p:cNvSpPr txBox="1"/>
+          <p:nvPr/>
+        </p:nvSpPr>
+        <p:spPr>
+          <a:xfrm>
+            <a:off x="7735986" y="2626692"/>
+            <a:ext cx="543739" cy="369332"/>
+          </a:xfrm>
+          <a:prstGeom prst="rect">
+            <a:avLst/>
+          </a:prstGeom>
+          <a:noFill/>
+        </p:spPr>
+        <p:txBody>
+          <a:bodyPr wrap="none" rtlCol="0">
+            <a:spAutoFit/>
+          </a:bodyPr>
+          <a:lstStyle/>
+          <a:p>
+            <a:r>
+              <a:rPr lang="en-CA" dirty="0" smtClean="0"/>
+              <a:t>SQL</a:t>
+            </a:r>
+            <a:endParaRPr lang="en-US" dirty="0"/>
+          </a:p>
+        </p:txBody>
+      </p:sp>
+      <p:sp>
+        <p:nvSpPr>
+          <p:cNvPr id="18" name="Flowchart: Document 17"/>
+          <p:cNvSpPr/>
+          <p:nvPr/>
+        </p:nvSpPr>
+        <p:spPr>
+          <a:xfrm>
+            <a:off x="7665611" y="4251510"/>
+            <a:ext cx="684490" cy="639145"/>
+          </a:xfrm>
+          <a:prstGeom prst="flowChartDocument">
+            <a:avLst/>
+          </a:prstGeom>
+        </p:spPr>
+        <p:style>
+          <a:lnRef idx="1">
+            <a:schemeClr val="accent5"/>
+          </a:lnRef>
+          <a:fillRef idx="3">
+            <a:schemeClr val="accent5"/>
+          </a:fillRef>
+          <a:effectRef idx="2">
+            <a:schemeClr val="accent5"/>
+          </a:effectRef>
+          <a:fontRef idx="minor">
+            <a:schemeClr val="lt1"/>
+          </a:fontRef>
+        </p:style>
+        <p:txBody>
+          <a:bodyPr rtlCol="0" anchor="ctr"/>
+          <a:lstStyle/>
+          <a:p>
+            <a:pPr algn="ctr"/>
+            <a:r>
+              <a:rPr lang="en-CA" dirty="0" smtClean="0"/>
+              <a:t>Data</a:t>
+            </a:r>
+            <a:endParaRPr lang="en-US" dirty="0"/>
+          </a:p>
+        </p:txBody>
+      </p:sp>
+      <p:sp>
+        <p:nvSpPr>
+          <p:cNvPr id="19" name="TextBox 18"/>
+          <p:cNvSpPr txBox="1"/>
+          <p:nvPr/>
+        </p:nvSpPr>
+        <p:spPr>
+          <a:xfrm>
+            <a:off x="3452628" y="2761774"/>
+            <a:ext cx="729239" cy="369332"/>
+          </a:xfrm>
+          <a:prstGeom prst="rect">
+            <a:avLst/>
+          </a:prstGeom>
+          <a:noFill/>
+        </p:spPr>
+        <p:txBody>
+          <a:bodyPr wrap="none" rtlCol="0">
+            <a:spAutoFit/>
+          </a:bodyPr>
+          <a:lstStyle/>
+          <a:p>
+            <a:r>
+              <a:rPr lang="en-CA" dirty="0" smtClean="0"/>
+              <a:t>query</a:t>
+            </a:r>
+            <a:endParaRPr lang="en-US" dirty="0"/>
           </a:p>
         </p:txBody>
       </p:sp>
@@ -5057,6 +5972,306 @@
   <p:clrMapOvr>
     <a:masterClrMapping/>
   </p:clrMapOvr>
+  <p:timing>
+    <p:tnLst>
+      <p:par>
+        <p:cTn id="1" dur="indefinite" restart="never" nodeType="tmRoot">
+          <p:childTnLst>
+            <p:seq concurrent="1" nextAc="seek">
+              <p:cTn id="2" dur="indefinite" nodeType="mainSeq">
+                <p:childTnLst>
+                  <p:par>
+                    <p:cTn id="3" fill="hold">
+                      <p:stCondLst>
+                        <p:cond delay="indefinite"/>
+                      </p:stCondLst>
+                      <p:childTnLst>
+                        <p:par>
+                          <p:cTn id="4" fill="hold">
+                            <p:stCondLst>
+                              <p:cond delay="0"/>
+                            </p:stCondLst>
+                            <p:childTnLst>
+                              <p:par>
+                                <p:cTn id="5" presetID="1" presetClass="entr" presetSubtype="0" fill="hold" grpId="0" nodeType="clickEffect">
+                                  <p:stCondLst>
+                                    <p:cond delay="0"/>
+                                  </p:stCondLst>
+                                  <p:childTnLst>
+                                    <p:set>
+                                      <p:cBhvr>
+                                        <p:cTn id="6" dur="1" fill="hold">
+                                          <p:stCondLst>
+                                            <p:cond delay="0"/>
+                                          </p:stCondLst>
+                                        </p:cTn>
+                                        <p:tgtEl>
+                                          <p:spTgt spid="13"/>
+                                        </p:tgtEl>
+                                        <p:attrNameLst>
+                                          <p:attrName>style.visibility</p:attrName>
+                                        </p:attrNameLst>
+                                      </p:cBhvr>
+                                      <p:to>
+                                        <p:strVal val="visible"/>
+                                      </p:to>
+                                    </p:set>
+                                  </p:childTnLst>
+                                </p:cTn>
+                              </p:par>
+                              <p:par>
+                                <p:cTn id="7" presetID="1" presetClass="entr" presetSubtype="0" fill="hold" grpId="0" nodeType="withEffect">
+                                  <p:stCondLst>
+                                    <p:cond delay="0"/>
+                                  </p:stCondLst>
+                                  <p:childTnLst>
+                                    <p:set>
+                                      <p:cBhvr>
+                                        <p:cTn id="8" dur="1" fill="hold">
+                                          <p:stCondLst>
+                                            <p:cond delay="0"/>
+                                          </p:stCondLst>
+                                        </p:cTn>
+                                        <p:tgtEl>
+                                          <p:spTgt spid="19"/>
+                                        </p:tgtEl>
+                                        <p:attrNameLst>
+                                          <p:attrName>style.visibility</p:attrName>
+                                        </p:attrNameLst>
+                                      </p:cBhvr>
+                                      <p:to>
+                                        <p:strVal val="visible"/>
+                                      </p:to>
+                                    </p:set>
+                                  </p:childTnLst>
+                                </p:cTn>
+                              </p:par>
+                            </p:childTnLst>
+                          </p:cTn>
+                        </p:par>
+                      </p:childTnLst>
+                    </p:cTn>
+                  </p:par>
+                  <p:par>
+                    <p:cTn id="9" fill="hold">
+                      <p:stCondLst>
+                        <p:cond delay="indefinite"/>
+                      </p:stCondLst>
+                      <p:childTnLst>
+                        <p:par>
+                          <p:cTn id="10" fill="hold">
+                            <p:stCondLst>
+                              <p:cond delay="0"/>
+                            </p:stCondLst>
+                            <p:childTnLst>
+                              <p:par>
+                                <p:cTn id="11" presetID="1" presetClass="entr" presetSubtype="0" fill="hold" grpId="0" nodeType="clickEffect">
+                                  <p:stCondLst>
+                                    <p:cond delay="0"/>
+                                  </p:stCondLst>
+                                  <p:childTnLst>
+                                    <p:set>
+                                      <p:cBhvr>
+                                        <p:cTn id="12" dur="1" fill="hold">
+                                          <p:stCondLst>
+                                            <p:cond delay="0"/>
+                                          </p:stCondLst>
+                                        </p:cTn>
+                                        <p:tgtEl>
+                                          <p:spTgt spid="16"/>
+                                        </p:tgtEl>
+                                        <p:attrNameLst>
+                                          <p:attrName>style.visibility</p:attrName>
+                                        </p:attrNameLst>
+                                      </p:cBhvr>
+                                      <p:to>
+                                        <p:strVal val="visible"/>
+                                      </p:to>
+                                    </p:set>
+                                  </p:childTnLst>
+                                </p:cTn>
+                              </p:par>
+                              <p:par>
+                                <p:cTn id="13" presetID="1" presetClass="entr" presetSubtype="0" fill="hold" grpId="0" nodeType="withEffect">
+                                  <p:stCondLst>
+                                    <p:cond delay="0"/>
+                                  </p:stCondLst>
+                                  <p:childTnLst>
+                                    <p:set>
+                                      <p:cBhvr>
+                                        <p:cTn id="14" dur="1" fill="hold">
+                                          <p:stCondLst>
+                                            <p:cond delay="0"/>
+                                          </p:stCondLst>
+                                        </p:cTn>
+                                        <p:tgtEl>
+                                          <p:spTgt spid="17"/>
+                                        </p:tgtEl>
+                                        <p:attrNameLst>
+                                          <p:attrName>style.visibility</p:attrName>
+                                        </p:attrNameLst>
+                                      </p:cBhvr>
+                                      <p:to>
+                                        <p:strVal val="visible"/>
+                                      </p:to>
+                                    </p:set>
+                                  </p:childTnLst>
+                                </p:cTn>
+                              </p:par>
+                            </p:childTnLst>
+                          </p:cTn>
+                        </p:par>
+                      </p:childTnLst>
+                    </p:cTn>
+                  </p:par>
+                  <p:par>
+                    <p:cTn id="15" fill="hold">
+                      <p:stCondLst>
+                        <p:cond delay="indefinite"/>
+                      </p:stCondLst>
+                      <p:childTnLst>
+                        <p:par>
+                          <p:cTn id="16" fill="hold">
+                            <p:stCondLst>
+                              <p:cond delay="0"/>
+                            </p:stCondLst>
+                            <p:childTnLst>
+                              <p:par>
+                                <p:cTn id="17" presetID="1" presetClass="entr" presetSubtype="0" fill="hold" grpId="0" nodeType="clickEffect">
+                                  <p:stCondLst>
+                                    <p:cond delay="0"/>
+                                  </p:stCondLst>
+                                  <p:childTnLst>
+                                    <p:set>
+                                      <p:cBhvr>
+                                        <p:cTn id="18" dur="1" fill="hold">
+                                          <p:stCondLst>
+                                            <p:cond delay="0"/>
+                                          </p:stCondLst>
+                                        </p:cTn>
+                                        <p:tgtEl>
+                                          <p:spTgt spid="15"/>
+                                        </p:tgtEl>
+                                        <p:attrNameLst>
+                                          <p:attrName>style.visibility</p:attrName>
+                                        </p:attrNameLst>
+                                      </p:cBhvr>
+                                      <p:to>
+                                        <p:strVal val="visible"/>
+                                      </p:to>
+                                    </p:set>
+                                  </p:childTnLst>
+                                </p:cTn>
+                              </p:par>
+                              <p:par>
+                                <p:cTn id="19" presetID="1" presetClass="entr" presetSubtype="0" fill="hold" grpId="0" nodeType="withEffect">
+                                  <p:stCondLst>
+                                    <p:cond delay="0"/>
+                                  </p:stCondLst>
+                                  <p:childTnLst>
+                                    <p:set>
+                                      <p:cBhvr>
+                                        <p:cTn id="20" dur="1" fill="hold">
+                                          <p:stCondLst>
+                                            <p:cond delay="0"/>
+                                          </p:stCondLst>
+                                        </p:cTn>
+                                        <p:tgtEl>
+                                          <p:spTgt spid="18"/>
+                                        </p:tgtEl>
+                                        <p:attrNameLst>
+                                          <p:attrName>style.visibility</p:attrName>
+                                        </p:attrNameLst>
+                                      </p:cBhvr>
+                                      <p:to>
+                                        <p:strVal val="visible"/>
+                                      </p:to>
+                                    </p:set>
+                                  </p:childTnLst>
+                                </p:cTn>
+                              </p:par>
+                            </p:childTnLst>
+                          </p:cTn>
+                        </p:par>
+                      </p:childTnLst>
+                    </p:cTn>
+                  </p:par>
+                  <p:par>
+                    <p:cTn id="21" fill="hold">
+                      <p:stCondLst>
+                        <p:cond delay="indefinite"/>
+                      </p:stCondLst>
+                      <p:childTnLst>
+                        <p:par>
+                          <p:cTn id="22" fill="hold">
+                            <p:stCondLst>
+                              <p:cond delay="0"/>
+                            </p:stCondLst>
+                            <p:childTnLst>
+                              <p:par>
+                                <p:cTn id="23" presetID="1" presetClass="entr" presetSubtype="0" fill="hold" grpId="0" nodeType="clickEffect">
+                                  <p:stCondLst>
+                                    <p:cond delay="0"/>
+                                  </p:stCondLst>
+                                  <p:childTnLst>
+                                    <p:set>
+                                      <p:cBhvr>
+                                        <p:cTn id="24" dur="1" fill="hold">
+                                          <p:stCondLst>
+                                            <p:cond delay="0"/>
+                                          </p:stCondLst>
+                                        </p:cTn>
+                                        <p:tgtEl>
+                                          <p:spTgt spid="14"/>
+                                        </p:tgtEl>
+                                        <p:attrNameLst>
+                                          <p:attrName>style.visibility</p:attrName>
+                                        </p:attrNameLst>
+                                      </p:cBhvr>
+                                      <p:to>
+                                        <p:strVal val="visible"/>
+                                      </p:to>
+                                    </p:set>
+                                  </p:childTnLst>
+                                </p:cTn>
+                              </p:par>
+                            </p:childTnLst>
+                          </p:cTn>
+                        </p:par>
+                      </p:childTnLst>
+                    </p:cTn>
+                  </p:par>
+                </p:childTnLst>
+              </p:cTn>
+              <p:prevCondLst>
+                <p:cond evt="onPrev" delay="0">
+                  <p:tgtEl>
+                    <p:sldTgt/>
+                  </p:tgtEl>
+                </p:cond>
+              </p:prevCondLst>
+              <p:nextCondLst>
+                <p:cond evt="onNext" delay="0">
+                  <p:tgtEl>
+                    <p:sldTgt/>
+                  </p:tgtEl>
+                </p:cond>
+              </p:nextCondLst>
+            </p:seq>
+          </p:childTnLst>
+        </p:cTn>
+      </p:par>
+    </p:tnLst>
+    <p:bldLst>
+      <p:bldP spid="13" grpId="0" animBg="1"/>
+      <p:bldP spid="14" grpId="0" animBg="1"/>
+      <p:bldP spid="15" grpId="0" animBg="1"/>
+      <p:bldP spid="16" grpId="0" animBg="1"/>
+      <p:bldP spid="17" grpId="0"/>
+      <p:bldP spid="18" grpId="0" animBg="1"/>
+      <p:bldP spid="19" grpId="0"/>
+    </p:bldLst>
+  </p:timing>
 </p:sld>
 </file>
 
@@ -5139,6 +6354,13 @@
   <p:clrMapOvr>
     <a:masterClrMapping/>
   </p:clrMapOvr>
+  <p:timing>
+    <p:tnLst>
+      <p:par>
+        <p:cTn id="1" dur="indefinite" restart="never" nodeType="tmRoot"/>
+      </p:par>
+    </p:tnLst>
+  </p:timing>
 </p:sld>
 </file>
 
@@ -5219,13 +6441,8 @@
             <a:pPr lvl="1"/>
             <a:r>
               <a:rPr lang="en-US" dirty="0" smtClean="0"/>
-              <a:t>Entity </a:t>
-            </a:r>
-            <a:r>
-              <a:rPr lang="en-US" dirty="0" smtClean="0"/>
-              <a:t>Framework &amp; LINQ</a:t>
-            </a:r>
-            <a:endParaRPr lang="en-US" dirty="0" smtClean="0"/>
+              <a:t>Entity Framework &amp; LINQ</a:t>
+            </a:r>
           </a:p>
           <a:p>
             <a:pPr lvl="1"/>
@@ -5247,6 +6464,13 @@
   <p:clrMapOvr>
     <a:masterClrMapping/>
   </p:clrMapOvr>
+  <p:timing>
+    <p:tnLst>
+      <p:par>
+        <p:cTn id="1" dur="indefinite" restart="never" nodeType="tmRoot"/>
+      </p:par>
+    </p:tnLst>
+  </p:timing>
 </p:sld>
 </file>
 
@@ -5323,6 +6547,13 @@
   <p:clrMapOvr>
     <a:masterClrMapping/>
   </p:clrMapOvr>
+  <p:timing>
+    <p:tnLst>
+      <p:par>
+        <p:cTn id="1" dur="indefinite" restart="never" nodeType="tmRoot"/>
+      </p:par>
+    </p:tnLst>
+  </p:timing>
 </p:sld>
 </file>
 
@@ -5360,7 +6591,7 @@
           <a:p>
             <a:r>
               <a:rPr lang="en-US" dirty="0" smtClean="0"/>
-              <a:t>How do we design our classes?</a:t>
+              <a:t>Add classes</a:t>
             </a:r>
             <a:endParaRPr lang="en-US" dirty="0"/>
           </a:p>
@@ -5383,69 +6614,46 @@
           <a:p>
             <a:r>
               <a:rPr lang="en-US" dirty="0" smtClean="0"/>
-              <a:t>Django ORM uses “Active record pattern</a:t>
-            </a:r>
-            <a:r>
-              <a:rPr lang="en-US" dirty="0" smtClean="0"/>
-              <a:t>”</a:t>
+              <a:t>Each class represents a table in the database</a:t>
+            </a:r>
+          </a:p>
+          <a:p>
+            <a:r>
+              <a:rPr lang="en-US" dirty="0" smtClean="0"/>
+              <a:t>Each object has methods to interact with the database </a:t>
             </a:r>
           </a:p>
           <a:p>
             <a:pPr lvl="1"/>
             <a:r>
-              <a:rPr lang="en-US" dirty="0" smtClean="0"/>
-              <a:t>First described by Martin Fowler</a:t>
-            </a:r>
-            <a:endParaRPr lang="en-US" dirty="0" smtClean="0"/>
-          </a:p>
-          <a:p>
-            <a:r>
-              <a:rPr lang="en-US" dirty="0" smtClean="0"/>
-              <a:t>Components</a:t>
-            </a:r>
-            <a:endParaRPr lang="en-US" dirty="0" smtClean="0"/>
+              <a:rPr lang="en-US" b="1" dirty="0" smtClean="0"/>
+              <a:t>Save</a:t>
+            </a:r>
+            <a:r>
+              <a:rPr lang="en-US" dirty="0" smtClean="0"/>
+              <a:t> for insert &amp; update</a:t>
+            </a:r>
           </a:p>
           <a:p>
             <a:pPr lvl="1"/>
             <a:r>
-              <a:rPr lang="en-US" dirty="0" smtClean="0"/>
-              <a:t>Each </a:t>
-            </a:r>
-            <a:r>
-              <a:rPr lang="en-US" dirty="0" smtClean="0"/>
-              <a:t>class represents a table in the database</a:t>
+              <a:rPr lang="en-US" b="1" dirty="0" smtClean="0"/>
+              <a:t>Delete</a:t>
+            </a:r>
+            <a:r>
+              <a:rPr lang="en-US" dirty="0" smtClean="0"/>
+              <a:t> for, well, delete</a:t>
             </a:r>
           </a:p>
           <a:p>
             <a:pPr lvl="1"/>
             <a:r>
               <a:rPr lang="en-US" dirty="0" smtClean="0"/>
-              <a:t>Each object has the ability to interact with the database</a:t>
+              <a:t>Queries to load records</a:t>
             </a:r>
           </a:p>
           <a:p>
             <a:pPr lvl="2"/>
-            <a:r>
-              <a:rPr lang="en-US" dirty="0" smtClean="0"/>
-              <a:t>Save for insert &amp; update</a:t>
-            </a:r>
-          </a:p>
-          <a:p>
-            <a:pPr lvl="2"/>
-            <a:r>
-              <a:rPr lang="en-US" dirty="0" smtClean="0"/>
-              <a:t>Delete for, well, delete</a:t>
-            </a:r>
-          </a:p>
-          <a:p>
-            <a:pPr lvl="2"/>
-            <a:r>
-              <a:rPr lang="en-US" dirty="0" smtClean="0"/>
-              <a:t>Queries to load records</a:t>
-            </a:r>
-          </a:p>
-          <a:p>
-            <a:pPr lvl="3"/>
             <a:r>
               <a:rPr lang="en-US" dirty="0" smtClean="0"/>
               <a:t>More on the database interaction later</a:t>
@@ -5464,6 +6672,258 @@
   <p:clrMapOvr>
     <a:masterClrMapping/>
   </p:clrMapOvr>
+  <p:timing>
+    <p:tnLst>
+      <p:par>
+        <p:cTn id="1" dur="indefinite" restart="never" nodeType="tmRoot">
+          <p:childTnLst>
+            <p:seq concurrent="1" nextAc="seek">
+              <p:cTn id="2" dur="indefinite" nodeType="mainSeq">
+                <p:childTnLst>
+                  <p:par>
+                    <p:cTn id="3" fill="hold">
+                      <p:stCondLst>
+                        <p:cond delay="indefinite"/>
+                      </p:stCondLst>
+                      <p:childTnLst>
+                        <p:par>
+                          <p:cTn id="4" fill="hold">
+                            <p:stCondLst>
+                              <p:cond delay="0"/>
+                            </p:stCondLst>
+                            <p:childTnLst>
+                              <p:par>
+                                <p:cTn id="5" presetID="1" presetClass="entr" presetSubtype="0" fill="hold" nodeType="clickEffect">
+                                  <p:stCondLst>
+                                    <p:cond delay="0"/>
+                                  </p:stCondLst>
+                                  <p:childTnLst>
+                                    <p:set>
+                                      <p:cBhvr>
+                                        <p:cTn id="6" dur="1" fill="hold">
+                                          <p:stCondLst>
+                                            <p:cond delay="0"/>
+                                          </p:stCondLst>
+                                        </p:cTn>
+                                        <p:tgtEl>
+                                          <p:spTgt spid="3">
+                                            <p:txEl>
+                                              <p:pRg st="0" end="0"/>
+                                            </p:txEl>
+                                          </p:spTgt>
+                                        </p:tgtEl>
+                                        <p:attrNameLst>
+                                          <p:attrName>style.visibility</p:attrName>
+                                        </p:attrNameLst>
+                                      </p:cBhvr>
+                                      <p:to>
+                                        <p:strVal val="visible"/>
+                                      </p:to>
+                                    </p:set>
+                                  </p:childTnLst>
+                                </p:cTn>
+                              </p:par>
+                            </p:childTnLst>
+                          </p:cTn>
+                        </p:par>
+                      </p:childTnLst>
+                    </p:cTn>
+                  </p:par>
+                  <p:par>
+                    <p:cTn id="7" fill="hold">
+                      <p:stCondLst>
+                        <p:cond delay="indefinite"/>
+                      </p:stCondLst>
+                      <p:childTnLst>
+                        <p:par>
+                          <p:cTn id="8" fill="hold">
+                            <p:stCondLst>
+                              <p:cond delay="0"/>
+                            </p:stCondLst>
+                            <p:childTnLst>
+                              <p:par>
+                                <p:cTn id="9" presetID="1" presetClass="entr" presetSubtype="0" fill="hold" nodeType="clickEffect">
+                                  <p:stCondLst>
+                                    <p:cond delay="0"/>
+                                  </p:stCondLst>
+                                  <p:childTnLst>
+                                    <p:set>
+                                      <p:cBhvr>
+                                        <p:cTn id="10" dur="1" fill="hold">
+                                          <p:stCondLst>
+                                            <p:cond delay="0"/>
+                                          </p:stCondLst>
+                                        </p:cTn>
+                                        <p:tgtEl>
+                                          <p:spTgt spid="3">
+                                            <p:txEl>
+                                              <p:pRg st="1" end="1"/>
+                                            </p:txEl>
+                                          </p:spTgt>
+                                        </p:tgtEl>
+                                        <p:attrNameLst>
+                                          <p:attrName>style.visibility</p:attrName>
+                                        </p:attrNameLst>
+                                      </p:cBhvr>
+                                      <p:to>
+                                        <p:strVal val="visible"/>
+                                      </p:to>
+                                    </p:set>
+                                  </p:childTnLst>
+                                </p:cTn>
+                              </p:par>
+                              <p:par>
+                                <p:cTn id="11" presetID="1" presetClass="entr" presetSubtype="0" fill="hold" nodeType="withEffect">
+                                  <p:stCondLst>
+                                    <p:cond delay="0"/>
+                                  </p:stCondLst>
+                                  <p:childTnLst>
+                                    <p:set>
+                                      <p:cBhvr>
+                                        <p:cTn id="12" dur="1" fill="hold">
+                                          <p:stCondLst>
+                                            <p:cond delay="0"/>
+                                          </p:stCondLst>
+                                        </p:cTn>
+                                        <p:tgtEl>
+                                          <p:spTgt spid="3">
+                                            <p:txEl>
+                                              <p:pRg st="2" end="2"/>
+                                            </p:txEl>
+                                          </p:spTgt>
+                                        </p:tgtEl>
+                                        <p:attrNameLst>
+                                          <p:attrName>style.visibility</p:attrName>
+                                        </p:attrNameLst>
+                                      </p:cBhvr>
+                                      <p:to>
+                                        <p:strVal val="visible"/>
+                                      </p:to>
+                                    </p:set>
+                                  </p:childTnLst>
+                                </p:cTn>
+                              </p:par>
+                              <p:par>
+                                <p:cTn id="13" presetID="1" presetClass="entr" presetSubtype="0" fill="hold" nodeType="withEffect">
+                                  <p:stCondLst>
+                                    <p:cond delay="0"/>
+                                  </p:stCondLst>
+                                  <p:childTnLst>
+                                    <p:set>
+                                      <p:cBhvr>
+                                        <p:cTn id="14" dur="1" fill="hold">
+                                          <p:stCondLst>
+                                            <p:cond delay="0"/>
+                                          </p:stCondLst>
+                                        </p:cTn>
+                                        <p:tgtEl>
+                                          <p:spTgt spid="3">
+                                            <p:txEl>
+                                              <p:pRg st="3" end="3"/>
+                                            </p:txEl>
+                                          </p:spTgt>
+                                        </p:tgtEl>
+                                        <p:attrNameLst>
+                                          <p:attrName>style.visibility</p:attrName>
+                                        </p:attrNameLst>
+                                      </p:cBhvr>
+                                      <p:to>
+                                        <p:strVal val="visible"/>
+                                      </p:to>
+                                    </p:set>
+                                  </p:childTnLst>
+                                </p:cTn>
+                              </p:par>
+                              <p:par>
+                                <p:cTn id="15" presetID="1" presetClass="entr" presetSubtype="0" fill="hold" nodeType="withEffect">
+                                  <p:stCondLst>
+                                    <p:cond delay="0"/>
+                                  </p:stCondLst>
+                                  <p:childTnLst>
+                                    <p:set>
+                                      <p:cBhvr>
+                                        <p:cTn id="16" dur="1" fill="hold">
+                                          <p:stCondLst>
+                                            <p:cond delay="0"/>
+                                          </p:stCondLst>
+                                        </p:cTn>
+                                        <p:tgtEl>
+                                          <p:spTgt spid="3">
+                                            <p:txEl>
+                                              <p:pRg st="4" end="4"/>
+                                            </p:txEl>
+                                          </p:spTgt>
+                                        </p:tgtEl>
+                                        <p:attrNameLst>
+                                          <p:attrName>style.visibility</p:attrName>
+                                        </p:attrNameLst>
+                                      </p:cBhvr>
+                                      <p:to>
+                                        <p:strVal val="visible"/>
+                                      </p:to>
+                                    </p:set>
+                                  </p:childTnLst>
+                                </p:cTn>
+                              </p:par>
+                              <p:par>
+                                <p:cTn id="17" presetID="1" presetClass="entr" presetSubtype="0" fill="hold" nodeType="withEffect">
+                                  <p:stCondLst>
+                                    <p:cond delay="0"/>
+                                  </p:stCondLst>
+                                  <p:childTnLst>
+                                    <p:set>
+                                      <p:cBhvr>
+                                        <p:cTn id="18" dur="1" fill="hold">
+                                          <p:stCondLst>
+                                            <p:cond delay="0"/>
+                                          </p:stCondLst>
+                                        </p:cTn>
+                                        <p:tgtEl>
+                                          <p:spTgt spid="3">
+                                            <p:txEl>
+                                              <p:pRg st="5" end="5"/>
+                                            </p:txEl>
+                                          </p:spTgt>
+                                        </p:tgtEl>
+                                        <p:attrNameLst>
+                                          <p:attrName>style.visibility</p:attrName>
+                                        </p:attrNameLst>
+                                      </p:cBhvr>
+                                      <p:to>
+                                        <p:strVal val="visible"/>
+                                      </p:to>
+                                    </p:set>
+                                  </p:childTnLst>
+                                </p:cTn>
+                              </p:par>
+                            </p:childTnLst>
+                          </p:cTn>
+                        </p:par>
+                      </p:childTnLst>
+                    </p:cTn>
+                  </p:par>
+                </p:childTnLst>
+              </p:cTn>
+              <p:prevCondLst>
+                <p:cond evt="onPrev" delay="0">
+                  <p:tgtEl>
+                    <p:sldTgt/>
+                  </p:tgtEl>
+                </p:cond>
+              </p:prevCondLst>
+              <p:nextCondLst>
+                <p:cond evt="onNext" delay="0">
+                  <p:tgtEl>
+                    <p:sldTgt/>
+                  </p:tgtEl>
+                </p:cond>
+              </p:nextCondLst>
+            </p:seq>
+          </p:childTnLst>
+        </p:cTn>
+      </p:par>
+    </p:tnLst>
+  </p:timing>
 </p:sld>
 </file>
 
@@ -5524,7 +6984,7 @@
           <a:p>
             <a:r>
               <a:rPr lang="en-US" dirty="0" smtClean="0"/>
-              <a:t>Class must inherit from Model class, inside the models package</a:t>
+              <a:t>Each class must inherit from the Model class, inside the models package</a:t>
             </a:r>
           </a:p>
           <a:p>
@@ -5699,6 +7159,13 @@
   <p:clrMapOvr>
     <a:masterClrMapping/>
   </p:clrMapOvr>
+  <p:timing>
+    <p:tnLst>
+      <p:par>
+        <p:cTn id="1" dur="indefinite" restart="never" nodeType="tmRoot"/>
+      </p:par>
+    </p:tnLst>
+  </p:timing>
 </p:sld>
 </file>
 
@@ -5752,7 +7219,12 @@
             <p:ph sz="quarter" idx="10"/>
           </p:nvPr>
         </p:nvSpPr>
-        <p:spPr/>
+        <p:spPr>
+          <a:xfrm>
+            <a:off x="379413" y="1388226"/>
+            <a:ext cx="11207341" cy="5469773"/>
+          </a:xfrm>
+        </p:spPr>
         <p:txBody>
           <a:bodyPr/>
           <a:lstStyle/>
@@ -5765,7 +7237,7 @@
           <a:p>
             <a:r>
               <a:rPr lang="en-US" dirty="0" smtClean="0"/>
-              <a:t>Columns need to know:</a:t>
+              <a:t>For each column you specify:</a:t>
             </a:r>
           </a:p>
           <a:p>
@@ -5788,7 +7260,7 @@
               <a:rPr lang="en-US" dirty="0" err="1" smtClean="0"/>
               <a:t>Nullability</a:t>
             </a:r>
-            <a:endParaRPr lang="en-US" dirty="0" smtClean="0"/>
+            <a:endParaRPr lang="en-US" dirty="0"/>
           </a:p>
           <a:p>
             <a:r>
@@ -5842,6 +7314,150 @@
               </a:rPr>
               <a:t>(parameters)</a:t>
             </a:r>
+          </a:p>
+        </p:txBody>
+      </p:sp>
+      <p:sp>
+        <p:nvSpPr>
+          <p:cNvPr id="4" name="Up Arrow 3"/>
+          <p:cNvSpPr/>
+          <p:nvPr/>
+        </p:nvSpPr>
+        <p:spPr>
+          <a:xfrm>
+            <a:off x="6766560" y="5499462"/>
+            <a:ext cx="431075" cy="600891"/>
+          </a:xfrm>
+          <a:prstGeom prst="upArrow">
+            <a:avLst/>
+          </a:prstGeom>
+        </p:spPr>
+        <p:style>
+          <a:lnRef idx="2">
+            <a:schemeClr val="accent1">
+              <a:shade val="50000"/>
+            </a:schemeClr>
+          </a:lnRef>
+          <a:fillRef idx="1">
+            <a:schemeClr val="accent1"/>
+          </a:fillRef>
+          <a:effectRef idx="0">
+            <a:schemeClr val="accent1"/>
+          </a:effectRef>
+          <a:fontRef idx="minor">
+            <a:schemeClr val="lt1"/>
+          </a:fontRef>
+        </p:style>
+        <p:txBody>
+          <a:bodyPr rtlCol="0" anchor="ctr"/>
+          <a:lstStyle/>
+          <a:p>
+            <a:pPr algn="ctr"/>
+            <a:endParaRPr lang="en-US"/>
+          </a:p>
+        </p:txBody>
+      </p:sp>
+      <p:sp>
+        <p:nvSpPr>
+          <p:cNvPr id="5" name="Up Arrow 4"/>
+          <p:cNvSpPr/>
+          <p:nvPr/>
+        </p:nvSpPr>
+        <p:spPr>
+          <a:xfrm>
+            <a:off x="8643257" y="5499462"/>
+            <a:ext cx="431075" cy="600891"/>
+          </a:xfrm>
+          <a:prstGeom prst="upArrow">
+            <a:avLst/>
+          </a:prstGeom>
+        </p:spPr>
+        <p:style>
+          <a:lnRef idx="2">
+            <a:schemeClr val="accent1">
+              <a:shade val="50000"/>
+            </a:schemeClr>
+          </a:lnRef>
+          <a:fillRef idx="1">
+            <a:schemeClr val="accent1"/>
+          </a:fillRef>
+          <a:effectRef idx="0">
+            <a:schemeClr val="accent1"/>
+          </a:effectRef>
+          <a:fontRef idx="minor">
+            <a:schemeClr val="lt1"/>
+          </a:fontRef>
+        </p:style>
+        <p:txBody>
+          <a:bodyPr rtlCol="0" anchor="ctr"/>
+          <a:lstStyle/>
+          <a:p>
+            <a:pPr algn="ctr"/>
+            <a:endParaRPr lang="en-US"/>
+          </a:p>
+        </p:txBody>
+      </p:sp>
+      <p:sp>
+        <p:nvSpPr>
+          <p:cNvPr id="6" name="TextBox 5"/>
+          <p:cNvSpPr txBox="1"/>
+          <p:nvPr/>
+        </p:nvSpPr>
+        <p:spPr>
+          <a:xfrm>
+            <a:off x="6524338" y="6308113"/>
+            <a:ext cx="1036822" cy="369332"/>
+          </a:xfrm>
+          <a:prstGeom prst="rect">
+            <a:avLst/>
+          </a:prstGeom>
+          <a:noFill/>
+        </p:spPr>
+        <p:txBody>
+          <a:bodyPr wrap="none" rtlCol="0">
+            <a:spAutoFit/>
+          </a:bodyPr>
+          <a:lstStyle/>
+          <a:p>
+            <a:r>
+              <a:rPr lang="en-CA" dirty="0" smtClean="0"/>
+              <a:t>Datatype</a:t>
+            </a:r>
+            <a:endParaRPr lang="en-US" dirty="0"/>
+          </a:p>
+        </p:txBody>
+      </p:sp>
+      <p:sp>
+        <p:nvSpPr>
+          <p:cNvPr id="7" name="TextBox 6"/>
+          <p:cNvSpPr txBox="1"/>
+          <p:nvPr/>
+        </p:nvSpPr>
+        <p:spPr>
+          <a:xfrm>
+            <a:off x="8262005" y="6308113"/>
+            <a:ext cx="1604542" cy="369332"/>
+          </a:xfrm>
+          <a:prstGeom prst="rect">
+            <a:avLst/>
+          </a:prstGeom>
+          <a:noFill/>
+        </p:spPr>
+        <p:txBody>
+          <a:bodyPr wrap="none" rtlCol="0">
+            <a:spAutoFit/>
+          </a:bodyPr>
+          <a:lstStyle/>
+          <a:p>
+            <a:r>
+              <a:rPr lang="en-CA" dirty="0" smtClean="0"/>
+              <a:t>Size, </a:t>
+            </a:r>
+            <a:r>
+              <a:rPr lang="en-CA" dirty="0" err="1" smtClean="0"/>
+              <a:t>Nullability</a:t>
+            </a:r>
+            <a:endParaRPr lang="en-US" dirty="0"/>
           </a:p>
         </p:txBody>
       </p:sp>
@@ -5855,6 +7471,439 @@
   <p:clrMapOvr>
     <a:masterClrMapping/>
   </p:clrMapOvr>
+  <p:timing>
+    <p:tnLst>
+      <p:par>
+        <p:cTn id="1" dur="indefinite" restart="never" nodeType="tmRoot">
+          <p:childTnLst>
+            <p:seq concurrent="1" nextAc="seek">
+              <p:cTn id="2" dur="indefinite" nodeType="mainSeq">
+                <p:childTnLst>
+                  <p:par>
+                    <p:cTn id="3" fill="hold">
+                      <p:stCondLst>
+                        <p:cond delay="indefinite"/>
+                      </p:stCondLst>
+                      <p:childTnLst>
+                        <p:par>
+                          <p:cTn id="4" fill="hold">
+                            <p:stCondLst>
+                              <p:cond delay="0"/>
+                            </p:stCondLst>
+                            <p:childTnLst>
+                              <p:par>
+                                <p:cTn id="5" presetID="1" presetClass="entr" presetSubtype="0" fill="hold" nodeType="clickEffect">
+                                  <p:stCondLst>
+                                    <p:cond delay="0"/>
+                                  </p:stCondLst>
+                                  <p:childTnLst>
+                                    <p:set>
+                                      <p:cBhvr>
+                                        <p:cTn id="6" dur="1" fill="hold">
+                                          <p:stCondLst>
+                                            <p:cond delay="0"/>
+                                          </p:stCondLst>
+                                        </p:cTn>
+                                        <p:tgtEl>
+                                          <p:spTgt spid="3">
+                                            <p:txEl>
+                                              <p:pRg st="0" end="0"/>
+                                            </p:txEl>
+                                          </p:spTgt>
+                                        </p:tgtEl>
+                                        <p:attrNameLst>
+                                          <p:attrName>style.visibility</p:attrName>
+                                        </p:attrNameLst>
+                                      </p:cBhvr>
+                                      <p:to>
+                                        <p:strVal val="visible"/>
+                                      </p:to>
+                                    </p:set>
+                                  </p:childTnLst>
+                                </p:cTn>
+                              </p:par>
+                            </p:childTnLst>
+                          </p:cTn>
+                        </p:par>
+                      </p:childTnLst>
+                    </p:cTn>
+                  </p:par>
+                  <p:par>
+                    <p:cTn id="7" fill="hold">
+                      <p:stCondLst>
+                        <p:cond delay="indefinite"/>
+                      </p:stCondLst>
+                      <p:childTnLst>
+                        <p:par>
+                          <p:cTn id="8" fill="hold">
+                            <p:stCondLst>
+                              <p:cond delay="0"/>
+                            </p:stCondLst>
+                            <p:childTnLst>
+                              <p:par>
+                                <p:cTn id="9" presetID="1" presetClass="entr" presetSubtype="0" fill="hold" nodeType="clickEffect">
+                                  <p:stCondLst>
+                                    <p:cond delay="0"/>
+                                  </p:stCondLst>
+                                  <p:childTnLst>
+                                    <p:set>
+                                      <p:cBhvr>
+                                        <p:cTn id="10" dur="1" fill="hold">
+                                          <p:stCondLst>
+                                            <p:cond delay="0"/>
+                                          </p:stCondLst>
+                                        </p:cTn>
+                                        <p:tgtEl>
+                                          <p:spTgt spid="3">
+                                            <p:txEl>
+                                              <p:pRg st="1" end="1"/>
+                                            </p:txEl>
+                                          </p:spTgt>
+                                        </p:tgtEl>
+                                        <p:attrNameLst>
+                                          <p:attrName>style.visibility</p:attrName>
+                                        </p:attrNameLst>
+                                      </p:cBhvr>
+                                      <p:to>
+                                        <p:strVal val="visible"/>
+                                      </p:to>
+                                    </p:set>
+                                  </p:childTnLst>
+                                </p:cTn>
+                              </p:par>
+                              <p:par>
+                                <p:cTn id="11" presetID="1" presetClass="entr" presetSubtype="0" fill="hold" nodeType="withEffect">
+                                  <p:stCondLst>
+                                    <p:cond delay="0"/>
+                                  </p:stCondLst>
+                                  <p:childTnLst>
+                                    <p:set>
+                                      <p:cBhvr>
+                                        <p:cTn id="12" dur="1" fill="hold">
+                                          <p:stCondLst>
+                                            <p:cond delay="0"/>
+                                          </p:stCondLst>
+                                        </p:cTn>
+                                        <p:tgtEl>
+                                          <p:spTgt spid="3">
+                                            <p:txEl>
+                                              <p:pRg st="2" end="2"/>
+                                            </p:txEl>
+                                          </p:spTgt>
+                                        </p:tgtEl>
+                                        <p:attrNameLst>
+                                          <p:attrName>style.visibility</p:attrName>
+                                        </p:attrNameLst>
+                                      </p:cBhvr>
+                                      <p:to>
+                                        <p:strVal val="visible"/>
+                                      </p:to>
+                                    </p:set>
+                                  </p:childTnLst>
+                                </p:cTn>
+                              </p:par>
+                              <p:par>
+                                <p:cTn id="13" presetID="1" presetClass="entr" presetSubtype="0" fill="hold" nodeType="withEffect">
+                                  <p:stCondLst>
+                                    <p:cond delay="0"/>
+                                  </p:stCondLst>
+                                  <p:childTnLst>
+                                    <p:set>
+                                      <p:cBhvr>
+                                        <p:cTn id="14" dur="1" fill="hold">
+                                          <p:stCondLst>
+                                            <p:cond delay="0"/>
+                                          </p:stCondLst>
+                                        </p:cTn>
+                                        <p:tgtEl>
+                                          <p:spTgt spid="3">
+                                            <p:txEl>
+                                              <p:pRg st="3" end="3"/>
+                                            </p:txEl>
+                                          </p:spTgt>
+                                        </p:tgtEl>
+                                        <p:attrNameLst>
+                                          <p:attrName>style.visibility</p:attrName>
+                                        </p:attrNameLst>
+                                      </p:cBhvr>
+                                      <p:to>
+                                        <p:strVal val="visible"/>
+                                      </p:to>
+                                    </p:set>
+                                  </p:childTnLst>
+                                </p:cTn>
+                              </p:par>
+                              <p:par>
+                                <p:cTn id="15" presetID="1" presetClass="entr" presetSubtype="0" fill="hold" nodeType="withEffect">
+                                  <p:stCondLst>
+                                    <p:cond delay="0"/>
+                                  </p:stCondLst>
+                                  <p:childTnLst>
+                                    <p:set>
+                                      <p:cBhvr>
+                                        <p:cTn id="16" dur="1" fill="hold">
+                                          <p:stCondLst>
+                                            <p:cond delay="0"/>
+                                          </p:stCondLst>
+                                        </p:cTn>
+                                        <p:tgtEl>
+                                          <p:spTgt spid="3">
+                                            <p:txEl>
+                                              <p:pRg st="4" end="4"/>
+                                            </p:txEl>
+                                          </p:spTgt>
+                                        </p:tgtEl>
+                                        <p:attrNameLst>
+                                          <p:attrName>style.visibility</p:attrName>
+                                        </p:attrNameLst>
+                                      </p:cBhvr>
+                                      <p:to>
+                                        <p:strVal val="visible"/>
+                                      </p:to>
+                                    </p:set>
+                                  </p:childTnLst>
+                                </p:cTn>
+                              </p:par>
+                            </p:childTnLst>
+                          </p:cTn>
+                        </p:par>
+                      </p:childTnLst>
+                    </p:cTn>
+                  </p:par>
+                  <p:par>
+                    <p:cTn id="17" fill="hold">
+                      <p:stCondLst>
+                        <p:cond delay="indefinite"/>
+                      </p:stCondLst>
+                      <p:childTnLst>
+                        <p:par>
+                          <p:cTn id="18" fill="hold">
+                            <p:stCondLst>
+                              <p:cond delay="0"/>
+                            </p:stCondLst>
+                            <p:childTnLst>
+                              <p:par>
+                                <p:cTn id="19" presetID="1" presetClass="entr" presetSubtype="0" fill="hold" nodeType="clickEffect">
+                                  <p:stCondLst>
+                                    <p:cond delay="0"/>
+                                  </p:stCondLst>
+                                  <p:childTnLst>
+                                    <p:set>
+                                      <p:cBhvr>
+                                        <p:cTn id="20" dur="1" fill="hold">
+                                          <p:stCondLst>
+                                            <p:cond delay="0"/>
+                                          </p:stCondLst>
+                                        </p:cTn>
+                                        <p:tgtEl>
+                                          <p:spTgt spid="3">
+                                            <p:txEl>
+                                              <p:pRg st="5" end="5"/>
+                                            </p:txEl>
+                                          </p:spTgt>
+                                        </p:tgtEl>
+                                        <p:attrNameLst>
+                                          <p:attrName>style.visibility</p:attrName>
+                                        </p:attrNameLst>
+                                      </p:cBhvr>
+                                      <p:to>
+                                        <p:strVal val="visible"/>
+                                      </p:to>
+                                    </p:set>
+                                  </p:childTnLst>
+                                </p:cTn>
+                              </p:par>
+                              <p:par>
+                                <p:cTn id="21" presetID="1" presetClass="entr" presetSubtype="0" fill="hold" nodeType="withEffect">
+                                  <p:stCondLst>
+                                    <p:cond delay="0"/>
+                                  </p:stCondLst>
+                                  <p:childTnLst>
+                                    <p:set>
+                                      <p:cBhvr>
+                                        <p:cTn id="22" dur="1" fill="hold">
+                                          <p:stCondLst>
+                                            <p:cond delay="0"/>
+                                          </p:stCondLst>
+                                        </p:cTn>
+                                        <p:tgtEl>
+                                          <p:spTgt spid="3">
+                                            <p:txEl>
+                                              <p:pRg st="6" end="6"/>
+                                            </p:txEl>
+                                          </p:spTgt>
+                                        </p:tgtEl>
+                                        <p:attrNameLst>
+                                          <p:attrName>style.visibility</p:attrName>
+                                        </p:attrNameLst>
+                                      </p:cBhvr>
+                                      <p:to>
+                                        <p:strVal val="visible"/>
+                                      </p:to>
+                                    </p:set>
+                                  </p:childTnLst>
+                                </p:cTn>
+                              </p:par>
+                            </p:childTnLst>
+                          </p:cTn>
+                        </p:par>
+                      </p:childTnLst>
+                    </p:cTn>
+                  </p:par>
+                  <p:par>
+                    <p:cTn id="23" fill="hold">
+                      <p:stCondLst>
+                        <p:cond delay="indefinite"/>
+                      </p:stCondLst>
+                      <p:childTnLst>
+                        <p:par>
+                          <p:cTn id="24" fill="hold">
+                            <p:stCondLst>
+                              <p:cond delay="0"/>
+                            </p:stCondLst>
+                            <p:childTnLst>
+                              <p:par>
+                                <p:cTn id="25" presetID="1" presetClass="entr" presetSubtype="0" fill="hold" grpId="0" nodeType="clickEffect">
+                                  <p:stCondLst>
+                                    <p:cond delay="0"/>
+                                  </p:stCondLst>
+                                  <p:childTnLst>
+                                    <p:set>
+                                      <p:cBhvr>
+                                        <p:cTn id="26" dur="1" fill="hold">
+                                          <p:stCondLst>
+                                            <p:cond delay="0"/>
+                                          </p:stCondLst>
+                                        </p:cTn>
+                                        <p:tgtEl>
+                                          <p:spTgt spid="4"/>
+                                        </p:tgtEl>
+                                        <p:attrNameLst>
+                                          <p:attrName>style.visibility</p:attrName>
+                                        </p:attrNameLst>
+                                      </p:cBhvr>
+                                      <p:to>
+                                        <p:strVal val="visible"/>
+                                      </p:to>
+                                    </p:set>
+                                  </p:childTnLst>
+                                </p:cTn>
+                              </p:par>
+                              <p:par>
+                                <p:cTn id="27" presetID="1" presetClass="entr" presetSubtype="0" fill="hold" grpId="0" nodeType="withEffect">
+                                  <p:stCondLst>
+                                    <p:cond delay="0"/>
+                                  </p:stCondLst>
+                                  <p:childTnLst>
+                                    <p:set>
+                                      <p:cBhvr>
+                                        <p:cTn id="28" dur="1" fill="hold">
+                                          <p:stCondLst>
+                                            <p:cond delay="0"/>
+                                          </p:stCondLst>
+                                        </p:cTn>
+                                        <p:tgtEl>
+                                          <p:spTgt spid="6"/>
+                                        </p:tgtEl>
+                                        <p:attrNameLst>
+                                          <p:attrName>style.visibility</p:attrName>
+                                        </p:attrNameLst>
+                                      </p:cBhvr>
+                                      <p:to>
+                                        <p:strVal val="visible"/>
+                                      </p:to>
+                                    </p:set>
+                                  </p:childTnLst>
+                                </p:cTn>
+                              </p:par>
+                              <p:par>
+                                <p:cTn id="29" presetID="1" presetClass="entr" presetSubtype="0" fill="hold" grpId="0" nodeType="withEffect">
+                                  <p:stCondLst>
+                                    <p:cond delay="0"/>
+                                  </p:stCondLst>
+                                  <p:childTnLst>
+                                    <p:set>
+                                      <p:cBhvr>
+                                        <p:cTn id="30" dur="1" fill="hold">
+                                          <p:stCondLst>
+                                            <p:cond delay="0"/>
+                                          </p:stCondLst>
+                                        </p:cTn>
+                                        <p:tgtEl>
+                                          <p:spTgt spid="5"/>
+                                        </p:tgtEl>
+                                        <p:attrNameLst>
+                                          <p:attrName>style.visibility</p:attrName>
+                                        </p:attrNameLst>
+                                      </p:cBhvr>
+                                      <p:to>
+                                        <p:strVal val="visible"/>
+                                      </p:to>
+                                    </p:set>
+                                  </p:childTnLst>
+                                </p:cTn>
+                              </p:par>
+                              <p:par>
+                                <p:cTn id="31" presetID="1" presetClass="entr" presetSubtype="0" fill="hold" grpId="0" nodeType="withEffect">
+                                  <p:stCondLst>
+                                    <p:cond delay="0"/>
+                                  </p:stCondLst>
+                                  <p:childTnLst>
+                                    <p:set>
+                                      <p:cBhvr>
+                                        <p:cTn id="32" dur="1" fill="hold">
+                                          <p:stCondLst>
+                                            <p:cond delay="0"/>
+                                          </p:stCondLst>
+                                        </p:cTn>
+                                        <p:tgtEl>
+                                          <p:spTgt spid="7"/>
+                                        </p:tgtEl>
+                                        <p:attrNameLst>
+                                          <p:attrName>style.visibility</p:attrName>
+                                        </p:attrNameLst>
+                                      </p:cBhvr>
+                                      <p:to>
+                                        <p:strVal val="visible"/>
+                                      </p:to>
+                                    </p:set>
+                                  </p:childTnLst>
+                                </p:cTn>
+                              </p:par>
+                            </p:childTnLst>
+                          </p:cTn>
+                        </p:par>
+                      </p:childTnLst>
+                    </p:cTn>
+                  </p:par>
+                </p:childTnLst>
+              </p:cTn>
+              <p:prevCondLst>
+                <p:cond evt="onPrev" delay="0">
+                  <p:tgtEl>
+                    <p:sldTgt/>
+                  </p:tgtEl>
+                </p:cond>
+              </p:prevCondLst>
+              <p:nextCondLst>
+                <p:cond evt="onNext" delay="0">
+                  <p:tgtEl>
+                    <p:sldTgt/>
+                  </p:tgtEl>
+                </p:cond>
+              </p:nextCondLst>
+            </p:seq>
+          </p:childTnLst>
+        </p:cTn>
+      </p:par>
+    </p:tnLst>
+    <p:bldLst>
+      <p:bldP spid="4" grpId="0" animBg="1"/>
+      <p:bldP spid="5" grpId="0" animBg="1"/>
+      <p:bldP spid="6" grpId="0"/>
+      <p:bldP spid="7" grpId="0"/>
+    </p:bldLst>
+  </p:timing>
 </p:sld>
 </file>
 
@@ -5892,7 +7941,7 @@
           <a:p>
             <a:r>
               <a:rPr lang="en-US" dirty="0" smtClean="0"/>
-              <a:t>Creating strings</a:t>
+              <a:t>Creating string fields</a:t>
             </a:r>
             <a:endParaRPr lang="en-US" dirty="0"/>
           </a:p>
@@ -6043,6 +8092,13 @@
   <p:clrMapOvr>
     <a:masterClrMapping/>
   </p:clrMapOvr>
+  <p:timing>
+    <p:tnLst>
+      <p:par>
+        <p:cTn id="1" dur="indefinite" restart="never" nodeType="tmRoot"/>
+      </p:par>
+    </p:tnLst>
+  </p:timing>
 </p:sld>
 </file>
 
@@ -6082,7 +8138,7 @@
           <a:p>
             <a:r>
               <a:rPr lang="en-GB" dirty="0" smtClean="0"/>
-              <a:t>What’s a model?</a:t>
+              <a:t>What is a model?</a:t>
             </a:r>
           </a:p>
           <a:p>
@@ -6095,6 +8151,12 @@
             <a:r>
               <a:rPr lang="en-GB" dirty="0" smtClean="0"/>
               <a:t>How do we get our model ready for use in Django?</a:t>
+            </a:r>
+          </a:p>
+          <a:p>
+            <a:r>
+              <a:rPr lang="en-GB" dirty="0" smtClean="0"/>
+              <a:t>Getting the database ready</a:t>
             </a:r>
           </a:p>
         </p:txBody>
@@ -6176,7 +8238,7 @@
           <a:p>
             <a:r>
               <a:rPr lang="en-US" dirty="0" smtClean="0"/>
-              <a:t>Creating integers</a:t>
+              <a:t>Creating integer fields</a:t>
             </a:r>
             <a:endParaRPr lang="en-US" dirty="0"/>
           </a:p>
@@ -6205,15 +8267,24 @@
           <a:p>
             <a:pPr lvl="1"/>
             <a:r>
-              <a:rPr lang="en-US" dirty="0" smtClean="0"/>
+              <a:rPr lang="en-US" dirty="0" smtClean="0">
+                <a:latin typeface="Consolas" panose="020B0609020204030204" pitchFamily="49" charset="0"/>
+                <a:cs typeface="Consolas" panose="020B0609020204030204" pitchFamily="49" charset="0"/>
+              </a:rPr>
               <a:t>name = </a:t>
             </a:r>
             <a:r>
-              <a:rPr lang="en-US" dirty="0" err="1" smtClean="0"/>
+              <a:rPr lang="en-US" dirty="0" err="1" smtClean="0">
+                <a:latin typeface="Consolas" panose="020B0609020204030204" pitchFamily="49" charset="0"/>
+                <a:cs typeface="Consolas" panose="020B0609020204030204" pitchFamily="49" charset="0"/>
+              </a:rPr>
               <a:t>models.IntegerField</a:t>
             </a:r>
             <a:r>
-              <a:rPr lang="en-US" dirty="0" smtClean="0"/>
+              <a:rPr lang="en-US" dirty="0" smtClean="0">
+                <a:latin typeface="Consolas" panose="020B0609020204030204" pitchFamily="49" charset="0"/>
+                <a:cs typeface="Consolas" panose="020B0609020204030204" pitchFamily="49" charset="0"/>
+              </a:rPr>
               <a:t>(parameters)</a:t>
             </a:r>
           </a:p>
@@ -6278,6 +8349,13 @@
   <p:clrMapOvr>
     <a:masterClrMapping/>
   </p:clrMapOvr>
+  <p:timing>
+    <p:tnLst>
+      <p:par>
+        <p:cTn id="1" dur="indefinite" restart="never" nodeType="tmRoot"/>
+      </p:par>
+    </p:tnLst>
+  </p:timing>
 </p:sld>
 </file>
 
@@ -6331,6 +8409,13 @@
   <p:clrMapOvr>
     <a:masterClrMapping/>
   </p:clrMapOvr>
+  <p:timing>
+    <p:tnLst>
+      <p:par>
+        <p:cTn id="1" dur="indefinite" restart="never" nodeType="tmRoot"/>
+      </p:par>
+    </p:tnLst>
+  </p:timing>
 </p:sld>
 </file>
 
@@ -6391,7 +8476,7 @@
           <a:p>
             <a:r>
               <a:rPr lang="en-US" dirty="0" smtClean="0"/>
-              <a:t>Every table should have a primary key</a:t>
+              <a:t>Every database table should have a primary key</a:t>
             </a:r>
           </a:p>
           <a:p>
@@ -6426,6 +8511,13 @@
   <p:clrMapOvr>
     <a:masterClrMapping/>
   </p:clrMapOvr>
+  <p:timing>
+    <p:tnLst>
+      <p:par>
+        <p:cTn id="1" dur="indefinite" restart="never" nodeType="tmRoot"/>
+      </p:par>
+    </p:tnLst>
+  </p:timing>
 </p:sld>
 </file>
 
@@ -6698,6 +8790,13 @@
   <p:clrMapOvr>
     <a:masterClrMapping/>
   </p:clrMapOvr>
+  <p:timing>
+    <p:tnLst>
+      <p:par>
+        <p:cTn id="1" dur="indefinite" restart="never" nodeType="tmRoot"/>
+      </p:par>
+    </p:tnLst>
+  </p:timing>
 </p:sld>
 </file>
 
@@ -7104,6 +9203,13 @@
   <p:clrMapOvr>
     <a:masterClrMapping/>
   </p:clrMapOvr>
+  <p:timing>
+    <p:tnLst>
+      <p:par>
+        <p:cTn id="1" dur="indefinite" restart="never" nodeType="tmRoot"/>
+      </p:par>
+    </p:tnLst>
+  </p:timing>
 </p:sld>
 </file>
 
@@ -7157,6 +9263,13 @@
   <p:clrMapOvr>
     <a:masterClrMapping/>
   </p:clrMapOvr>
+  <p:timing>
+    <p:tnLst>
+      <p:par>
+        <p:cTn id="1" dur="indefinite" restart="never" nodeType="tmRoot"/>
+      </p:par>
+    </p:tnLst>
+  </p:timing>
 </p:sld>
 </file>
 
@@ -7223,7 +9336,7 @@
           <a:p>
             <a:r>
               <a:rPr lang="en-US" dirty="0" smtClean="0"/>
-              <a:t>Django can help automatically labels for model properties in views</a:t>
+              <a:t>Django can automatically label properties in views</a:t>
             </a:r>
           </a:p>
           <a:p>
@@ -7251,7 +9364,7 @@
           <a:p>
             <a:r>
               <a:rPr lang="en-US" dirty="0" smtClean="0"/>
-              <a:t>What if we need to customize things?</a:t>
+              <a:t>What if we need to customize the label?</a:t>
             </a:r>
           </a:p>
           <a:p>
@@ -7285,6 +9398,147 @@
   <p:clrMapOvr>
     <a:masterClrMapping/>
   </p:clrMapOvr>
+  <p:timing>
+    <p:tnLst>
+      <p:par>
+        <p:cTn id="1" dur="indefinite" restart="never" nodeType="tmRoot">
+          <p:childTnLst>
+            <p:seq concurrent="1" nextAc="seek">
+              <p:cTn id="2" dur="indefinite" nodeType="mainSeq">
+                <p:childTnLst>
+                  <p:par>
+                    <p:cTn id="3" fill="hold">
+                      <p:stCondLst>
+                        <p:cond delay="indefinite"/>
+                      </p:stCondLst>
+                      <p:childTnLst>
+                        <p:par>
+                          <p:cTn id="4" fill="hold">
+                            <p:stCondLst>
+                              <p:cond delay="0"/>
+                            </p:stCondLst>
+                            <p:childTnLst>
+                              <p:par>
+                                <p:cTn id="5" presetID="1" presetClass="entr" presetSubtype="0" fill="hold" nodeType="clickEffect">
+                                  <p:stCondLst>
+                                    <p:cond delay="0"/>
+                                  </p:stCondLst>
+                                  <p:childTnLst>
+                                    <p:set>
+                                      <p:cBhvr>
+                                        <p:cTn id="6" dur="1" fill="hold">
+                                          <p:stCondLst>
+                                            <p:cond delay="0"/>
+                                          </p:stCondLst>
+                                        </p:cTn>
+                                        <p:tgtEl>
+                                          <p:spTgt spid="7">
+                                            <p:txEl>
+                                              <p:pRg st="4" end="4"/>
+                                            </p:txEl>
+                                          </p:spTgt>
+                                        </p:tgtEl>
+                                        <p:attrNameLst>
+                                          <p:attrName>style.visibility</p:attrName>
+                                        </p:attrNameLst>
+                                      </p:cBhvr>
+                                      <p:to>
+                                        <p:strVal val="visible"/>
+                                      </p:to>
+                                    </p:set>
+                                  </p:childTnLst>
+                                </p:cTn>
+                              </p:par>
+                              <p:par>
+                                <p:cTn id="7" presetID="1" presetClass="entr" presetSubtype="0" fill="hold" nodeType="withEffect">
+                                  <p:stCondLst>
+                                    <p:cond delay="0"/>
+                                  </p:stCondLst>
+                                  <p:childTnLst>
+                                    <p:set>
+                                      <p:cBhvr>
+                                        <p:cTn id="8" dur="1" fill="hold">
+                                          <p:stCondLst>
+                                            <p:cond delay="0"/>
+                                          </p:stCondLst>
+                                        </p:cTn>
+                                        <p:tgtEl>
+                                          <p:spTgt spid="7">
+                                            <p:txEl>
+                                              <p:pRg st="5" end="5"/>
+                                            </p:txEl>
+                                          </p:spTgt>
+                                        </p:tgtEl>
+                                        <p:attrNameLst>
+                                          <p:attrName>style.visibility</p:attrName>
+                                        </p:attrNameLst>
+                                      </p:cBhvr>
+                                      <p:to>
+                                        <p:strVal val="visible"/>
+                                      </p:to>
+                                    </p:set>
+                                  </p:childTnLst>
+                                </p:cTn>
+                              </p:par>
+                              <p:par>
+                                <p:cTn id="9" presetID="1" presetClass="entr" presetSubtype="0" fill="hold" nodeType="withEffect">
+                                  <p:stCondLst>
+                                    <p:cond delay="0"/>
+                                  </p:stCondLst>
+                                  <p:childTnLst>
+                                    <p:set>
+                                      <p:cBhvr>
+                                        <p:cTn id="10" dur="1" fill="hold">
+                                          <p:stCondLst>
+                                            <p:cond delay="0"/>
+                                          </p:stCondLst>
+                                        </p:cTn>
+                                        <p:tgtEl>
+                                          <p:spTgt spid="7">
+                                            <p:txEl>
+                                              <p:pRg st="6" end="6"/>
+                                            </p:txEl>
+                                          </p:spTgt>
+                                        </p:tgtEl>
+                                        <p:attrNameLst>
+                                          <p:attrName>style.visibility</p:attrName>
+                                        </p:attrNameLst>
+                                      </p:cBhvr>
+                                      <p:to>
+                                        <p:strVal val="visible"/>
+                                      </p:to>
+                                    </p:set>
+                                  </p:childTnLst>
+                                </p:cTn>
+                              </p:par>
+                            </p:childTnLst>
+                          </p:cTn>
+                        </p:par>
+                      </p:childTnLst>
+                    </p:cTn>
+                  </p:par>
+                </p:childTnLst>
+              </p:cTn>
+              <p:prevCondLst>
+                <p:cond evt="onPrev" delay="0">
+                  <p:tgtEl>
+                    <p:sldTgt/>
+                  </p:tgtEl>
+                </p:cond>
+              </p:prevCondLst>
+              <p:nextCondLst>
+                <p:cond evt="onNext" delay="0">
+                  <p:tgtEl>
+                    <p:sldTgt/>
+                  </p:tgtEl>
+                </p:cond>
+              </p:nextCondLst>
+            </p:seq>
+          </p:childTnLst>
+        </p:cTn>
+      </p:par>
+    </p:tnLst>
+  </p:timing>
 </p:sld>
 </file>
 
@@ -7338,6 +9592,13 @@
   <p:clrMapOvr>
     <a:masterClrMapping/>
   </p:clrMapOvr>
+  <p:timing>
+    <p:tnLst>
+      <p:par>
+        <p:cTn id="1" dur="indefinite" restart="never" nodeType="tmRoot"/>
+      </p:par>
+    </p:tnLst>
+  </p:timing>
 </p:sld>
 </file>
 
@@ -7464,6 +9725,13 @@
   <p:clrMapOvr>
     <a:masterClrMapping/>
   </p:clrMapOvr>
+  <p:timing>
+    <p:tnLst>
+      <p:par>
+        <p:cTn id="1" dur="indefinite" restart="never" nodeType="tmRoot"/>
+      </p:par>
+    </p:tnLst>
+  </p:timing>
 </p:sld>
 </file>
 
@@ -7486,12 +9754,12 @@
       </p:grpSpPr>
       <p:sp>
         <p:nvSpPr>
-          <p:cNvPr id="2" name="Title 1"/>
+          <p:cNvPr id="6" name="Text Placeholder 5"/>
           <p:cNvSpPr>
             <a:spLocks noGrp="1"/>
           </p:cNvSpPr>
           <p:nvPr>
-            <p:ph type="title"/>
+            <p:ph type="body" sz="quarter" idx="10"/>
           </p:nvPr>
         </p:nvSpPr>
         <p:spPr/>
@@ -7501,7 +9769,7 @@
           <a:p>
             <a:r>
               <a:rPr lang="en-US" dirty="0" smtClean="0"/>
-              <a:t>But what about the database?!</a:t>
+              <a:t>Getting the database ready</a:t>
             </a:r>
             <a:endParaRPr lang="en-US" dirty="0"/>
           </a:p>
@@ -7509,12 +9777,12 @@
       </p:sp>
       <p:sp>
         <p:nvSpPr>
-          <p:cNvPr id="3" name="Content Placeholder 2"/>
+          <p:cNvPr id="5" name="Subtitle 4"/>
           <p:cNvSpPr>
             <a:spLocks noGrp="1"/>
           </p:cNvSpPr>
           <p:nvPr>
-            <p:ph sz="quarter" idx="10"/>
+            <p:ph type="subTitle" idx="1"/>
           </p:nvPr>
         </p:nvSpPr>
         <p:spPr/>
@@ -7522,54 +9790,6 @@
           <a:bodyPr/>
           <a:lstStyle/>
           <a:p>
-            <a:r>
-              <a:rPr lang="en-US" dirty="0" smtClean="0"/>
-              <a:t>You’ve no doubt noticed we haven’t touched on the actual database</a:t>
-            </a:r>
-          </a:p>
-          <a:p>
-            <a:pPr lvl="1"/>
-            <a:r>
-              <a:rPr lang="en-US" dirty="0" smtClean="0"/>
-              <a:t>That’s the great part – with Django you don’t have to worry about the database</a:t>
-            </a:r>
-          </a:p>
-          <a:p>
-            <a:r>
-              <a:rPr lang="en-US" dirty="0" smtClean="0"/>
-              <a:t>But, at some point it needs to be created</a:t>
-            </a:r>
-          </a:p>
-          <a:p>
-            <a:pPr lvl="1"/>
-            <a:r>
-              <a:rPr lang="en-US" dirty="0" smtClean="0"/>
-              <a:t>And modified</a:t>
-            </a:r>
-          </a:p>
-          <a:p>
-            <a:pPr lvl="1"/>
-            <a:r>
-              <a:rPr lang="en-US" dirty="0" smtClean="0"/>
-              <a:t>And data needs to be added</a:t>
-            </a:r>
-          </a:p>
-          <a:p>
-            <a:pPr lvl="1"/>
-            <a:r>
-              <a:rPr lang="en-US" dirty="0" smtClean="0"/>
-              <a:t>And retrieved</a:t>
-            </a:r>
-          </a:p>
-          <a:p>
-            <a:r>
-              <a:rPr lang="en-US" dirty="0" smtClean="0"/>
-              <a:t>We’ll see all of that… in the </a:t>
-            </a:r>
-            <a:r>
-              <a:rPr lang="en-US" smtClean="0"/>
-              <a:t>next module</a:t>
-            </a:r>
             <a:endParaRPr lang="en-US" dirty="0"/>
           </a:p>
         </p:txBody>
@@ -7577,13 +9797,20 @@
     </p:spTree>
     <p:extLst>
       <p:ext uri="{BB962C8B-B14F-4D97-AF65-F5344CB8AC3E}">
-        <p14:creationId xmlns:p14="http://schemas.microsoft.com/office/powerpoint/2010/main" val="4244418484"/>
+        <p14:creationId xmlns:p14="http://schemas.microsoft.com/office/powerpoint/2010/main" val="1020394113"/>
       </p:ext>
     </p:extLst>
   </p:cSld>
   <p:clrMapOvr>
     <a:masterClrMapping/>
   </p:clrMapOvr>
+  <p:timing>
+    <p:tnLst>
+      <p:par>
+        <p:cTn id="1" dur="indefinite" restart="never" nodeType="tmRoot"/>
+      </p:par>
+    </p:tnLst>
+  </p:timing>
 </p:sld>
 </file>
 
@@ -7621,7 +9848,7 @@
           <a:p>
             <a:r>
               <a:rPr lang="en-US" dirty="0" smtClean="0"/>
-              <a:t>What’s a model?</a:t>
+              <a:t>What is a model?</a:t>
             </a:r>
             <a:endParaRPr lang="en-US" dirty="0"/>
           </a:p>
@@ -7656,10 +9883,707 @@
   <p:clrMapOvr>
     <a:masterClrMapping/>
   </p:clrMapOvr>
+  <p:timing>
+    <p:tnLst>
+      <p:par>
+        <p:cTn id="1" dur="indefinite" restart="never" nodeType="tmRoot"/>
+      </p:par>
+    </p:tnLst>
+  </p:timing>
 </p:sld>
 </file>
 
 <file path=ppt/slides/slide30.xml><?xml version="1.0" encoding="utf-8"?>
+<p:sld xmlns:a="http://schemas.openxmlformats.org/drawingml/2006/main" xmlns:r="http://schemas.openxmlformats.org/officeDocument/2006/relationships" xmlns:p="http://schemas.openxmlformats.org/presentationml/2006/main">
+  <p:cSld>
+    <p:spTree>
+      <p:nvGrpSpPr>
+        <p:cNvPr id="1" name=""/>
+        <p:cNvGrpSpPr/>
+        <p:nvPr/>
+      </p:nvGrpSpPr>
+      <p:grpSpPr>
+        <a:xfrm>
+          <a:off x="0" y="0"/>
+          <a:ext cx="0" cy="0"/>
+          <a:chOff x="0" y="0"/>
+          <a:chExt cx="0" cy="0"/>
+        </a:xfrm>
+      </p:grpSpPr>
+      <p:sp>
+        <p:nvSpPr>
+          <p:cNvPr id="4" name="Title 3"/>
+          <p:cNvSpPr>
+            <a:spLocks noGrp="1"/>
+          </p:cNvSpPr>
+          <p:nvPr>
+            <p:ph type="title"/>
+          </p:nvPr>
+        </p:nvSpPr>
+        <p:spPr/>
+        <p:txBody>
+          <a:bodyPr/>
+          <a:lstStyle/>
+          <a:p>
+            <a:r>
+              <a:rPr lang="en-US" dirty="0" smtClean="0"/>
+              <a:t>Wait - what database is Django going to use?</a:t>
+            </a:r>
+            <a:endParaRPr lang="en-US" dirty="0"/>
+          </a:p>
+        </p:txBody>
+      </p:sp>
+      <p:sp>
+        <p:nvSpPr>
+          <p:cNvPr id="5" name="Content Placeholder 4"/>
+          <p:cNvSpPr>
+            <a:spLocks noGrp="1"/>
+          </p:cNvSpPr>
+          <p:nvPr>
+            <p:ph sz="quarter" idx="10"/>
+          </p:nvPr>
+        </p:nvSpPr>
+        <p:spPr/>
+        <p:txBody>
+          <a:bodyPr/>
+          <a:lstStyle/>
+          <a:p>
+            <a:r>
+              <a:rPr lang="en-US" dirty="0" smtClean="0"/>
+              <a:t>Whatever database you specify in the settings.py file</a:t>
+            </a:r>
+          </a:p>
+          <a:p>
+            <a:r>
+              <a:rPr lang="en-US" dirty="0" smtClean="0"/>
+              <a:t>Supported databases include</a:t>
+            </a:r>
+          </a:p>
+          <a:p>
+            <a:pPr lvl="1"/>
+            <a:r>
+              <a:rPr lang="en-US" dirty="0" smtClean="0"/>
+              <a:t>SQLite</a:t>
+            </a:r>
+          </a:p>
+          <a:p>
+            <a:pPr lvl="1"/>
+            <a:r>
+              <a:rPr lang="en-US" dirty="0" smtClean="0"/>
+              <a:t>MySQL</a:t>
+            </a:r>
+          </a:p>
+          <a:p>
+            <a:pPr lvl="1"/>
+            <a:r>
+              <a:rPr lang="en-US" dirty="0" smtClean="0"/>
+              <a:t>Microsoft SQL Server</a:t>
+            </a:r>
+          </a:p>
+          <a:p>
+            <a:r>
+              <a:rPr lang="en-US" dirty="0" smtClean="0"/>
+              <a:t>SQLite is the default development database for Django projects in Visual Studio</a:t>
+            </a:r>
+            <a:endParaRPr lang="en-US" dirty="0"/>
+          </a:p>
+        </p:txBody>
+      </p:sp>
+    </p:spTree>
+    <p:extLst>
+      <p:ext uri="{BB962C8B-B14F-4D97-AF65-F5344CB8AC3E}">
+        <p14:creationId xmlns:p14="http://schemas.microsoft.com/office/powerpoint/2010/main" val="174175438"/>
+      </p:ext>
+    </p:extLst>
+  </p:cSld>
+  <p:clrMapOvr>
+    <a:masterClrMapping/>
+  </p:clrMapOvr>
+  <p:timing>
+    <p:tnLst>
+      <p:par>
+        <p:cTn id="1" dur="indefinite" restart="never" nodeType="tmRoot"/>
+      </p:par>
+    </p:tnLst>
+  </p:timing>
+</p:sld>
+</file>
+
+<file path=ppt/slides/slide31.xml><?xml version="1.0" encoding="utf-8"?>
+<p:sld xmlns:a="http://schemas.openxmlformats.org/drawingml/2006/main" xmlns:r="http://schemas.openxmlformats.org/officeDocument/2006/relationships" xmlns:p="http://schemas.openxmlformats.org/presentationml/2006/main">
+  <p:cSld>
+    <p:spTree>
+      <p:nvGrpSpPr>
+        <p:cNvPr id="1" name=""/>
+        <p:cNvGrpSpPr/>
+        <p:nvPr/>
+      </p:nvGrpSpPr>
+      <p:grpSpPr>
+        <a:xfrm>
+          <a:off x="0" y="0"/>
+          <a:ext cx="0" cy="0"/>
+          <a:chOff x="0" y="0"/>
+          <a:chExt cx="0" cy="0"/>
+        </a:xfrm>
+      </p:grpSpPr>
+      <p:sp>
+        <p:nvSpPr>
+          <p:cNvPr id="2" name="Title 1"/>
+          <p:cNvSpPr>
+            <a:spLocks noGrp="1"/>
+          </p:cNvSpPr>
+          <p:nvPr>
+            <p:ph type="title"/>
+          </p:nvPr>
+        </p:nvSpPr>
+        <p:spPr/>
+        <p:txBody>
+          <a:bodyPr/>
+          <a:lstStyle/>
+          <a:p>
+            <a:r>
+              <a:rPr lang="en-US" dirty="0" smtClean="0"/>
+              <a:t>What is SQLite?</a:t>
+            </a:r>
+            <a:endParaRPr lang="en-US" dirty="0"/>
+          </a:p>
+        </p:txBody>
+      </p:sp>
+      <p:sp>
+        <p:nvSpPr>
+          <p:cNvPr id="3" name="Content Placeholder 2"/>
+          <p:cNvSpPr>
+            <a:spLocks noGrp="1"/>
+          </p:cNvSpPr>
+          <p:nvPr>
+            <p:ph sz="quarter" idx="10"/>
+          </p:nvPr>
+        </p:nvSpPr>
+        <p:spPr/>
+        <p:txBody>
+          <a:bodyPr/>
+          <a:lstStyle/>
+          <a:p>
+            <a:r>
+              <a:rPr lang="en-US" dirty="0" smtClean="0"/>
+              <a:t>As the name implies, SQLite is a lightweight relational database</a:t>
+            </a:r>
+          </a:p>
+          <a:p>
+            <a:r>
+              <a:rPr lang="en-US" dirty="0" smtClean="0"/>
+              <a:t>It’s open source and perfect for development</a:t>
+            </a:r>
+          </a:p>
+        </p:txBody>
+      </p:sp>
+    </p:spTree>
+    <p:extLst>
+      <p:ext uri="{BB962C8B-B14F-4D97-AF65-F5344CB8AC3E}">
+        <p14:creationId xmlns:p14="http://schemas.microsoft.com/office/powerpoint/2010/main" val="2346702202"/>
+      </p:ext>
+    </p:extLst>
+  </p:cSld>
+  <p:clrMapOvr>
+    <a:masterClrMapping/>
+  </p:clrMapOvr>
+  <p:timing>
+    <p:tnLst>
+      <p:par>
+        <p:cTn id="1" dur="indefinite" restart="never" nodeType="tmRoot"/>
+      </p:par>
+    </p:tnLst>
+  </p:timing>
+</p:sld>
+</file>
+
+<file path=ppt/slides/slide32.xml><?xml version="1.0" encoding="utf-8"?>
+<p:sld xmlns:a="http://schemas.openxmlformats.org/drawingml/2006/main" xmlns:r="http://schemas.openxmlformats.org/officeDocument/2006/relationships" xmlns:p="http://schemas.openxmlformats.org/presentationml/2006/main">
+  <p:cSld>
+    <p:spTree>
+      <p:nvGrpSpPr>
+        <p:cNvPr id="1" name=""/>
+        <p:cNvGrpSpPr/>
+        <p:nvPr/>
+      </p:nvGrpSpPr>
+      <p:grpSpPr>
+        <a:xfrm>
+          <a:off x="0" y="0"/>
+          <a:ext cx="0" cy="0"/>
+          <a:chOff x="0" y="0"/>
+          <a:chExt cx="0" cy="0"/>
+        </a:xfrm>
+      </p:grpSpPr>
+      <p:sp>
+        <p:nvSpPr>
+          <p:cNvPr id="2" name="Title 1"/>
+          <p:cNvSpPr>
+            <a:spLocks noGrp="1"/>
+          </p:cNvSpPr>
+          <p:nvPr>
+            <p:ph type="title"/>
+          </p:nvPr>
+        </p:nvSpPr>
+        <p:spPr/>
+        <p:txBody>
+          <a:bodyPr/>
+          <a:lstStyle/>
+          <a:p>
+            <a:r>
+              <a:rPr lang="en-US" dirty="0" smtClean="0"/>
+              <a:t>How do we create the database?</a:t>
+            </a:r>
+            <a:endParaRPr lang="en-US" dirty="0"/>
+          </a:p>
+        </p:txBody>
+      </p:sp>
+      <p:sp>
+        <p:nvSpPr>
+          <p:cNvPr id="3" name="Content Placeholder 2"/>
+          <p:cNvSpPr>
+            <a:spLocks noGrp="1"/>
+          </p:cNvSpPr>
+          <p:nvPr>
+            <p:ph sz="quarter" idx="10"/>
+          </p:nvPr>
+        </p:nvSpPr>
+        <p:spPr/>
+        <p:txBody>
+          <a:bodyPr/>
+          <a:lstStyle/>
+          <a:p>
+            <a:r>
+              <a:rPr lang="en-US" dirty="0" smtClean="0"/>
+              <a:t>We propagate the changes in our models to the databases  used by the Django ORM with migrations</a:t>
+            </a:r>
+          </a:p>
+          <a:p>
+            <a:r>
+              <a:rPr lang="en-US" dirty="0" smtClean="0"/>
+              <a:t>Useful commands</a:t>
+            </a:r>
+          </a:p>
+          <a:p>
+            <a:pPr lvl="1"/>
+            <a:r>
+              <a:rPr lang="en-US" b="1" dirty="0" err="1" smtClean="0"/>
+              <a:t>makemigrations</a:t>
+            </a:r>
+            <a:endParaRPr lang="en-US" dirty="0"/>
+          </a:p>
+          <a:p>
+            <a:pPr lvl="2"/>
+            <a:r>
+              <a:rPr lang="en-US" dirty="0" smtClean="0"/>
+              <a:t>Create a new migration, this creates a package that contains all of the changes to be made to the database based on the code changes in our models</a:t>
+            </a:r>
+          </a:p>
+          <a:p>
+            <a:pPr lvl="1"/>
+            <a:r>
+              <a:rPr lang="en-US" b="1" dirty="0" err="1" smtClean="0"/>
+              <a:t>sqlmigrate</a:t>
+            </a:r>
+            <a:endParaRPr lang="en-US" dirty="0"/>
+          </a:p>
+          <a:p>
+            <a:pPr lvl="2"/>
+            <a:r>
+              <a:rPr lang="en-US" dirty="0"/>
+              <a:t>D</a:t>
+            </a:r>
+            <a:r>
+              <a:rPr lang="en-US" dirty="0" smtClean="0"/>
+              <a:t>isplay the SQL statements that will be applied by a migration</a:t>
+            </a:r>
+          </a:p>
+          <a:p>
+            <a:pPr lvl="1"/>
+            <a:r>
+              <a:rPr lang="en-US" b="1" dirty="0" smtClean="0"/>
+              <a:t>migrate</a:t>
+            </a:r>
+          </a:p>
+          <a:p>
+            <a:pPr lvl="2"/>
+            <a:r>
+              <a:rPr lang="en-US" dirty="0" smtClean="0"/>
+              <a:t>Update the database with the specified migration package</a:t>
+            </a:r>
+            <a:endParaRPr lang="en-US" dirty="0"/>
+          </a:p>
+        </p:txBody>
+      </p:sp>
+    </p:spTree>
+    <p:extLst>
+      <p:ext uri="{BB962C8B-B14F-4D97-AF65-F5344CB8AC3E}">
+        <p14:creationId xmlns:p14="http://schemas.microsoft.com/office/powerpoint/2010/main" val="2050972237"/>
+      </p:ext>
+    </p:extLst>
+  </p:cSld>
+  <p:clrMapOvr>
+    <a:masterClrMapping/>
+  </p:clrMapOvr>
+  <p:timing>
+    <p:tnLst>
+      <p:par>
+        <p:cTn id="1" dur="indefinite" restart="never" nodeType="tmRoot"/>
+      </p:par>
+    </p:tnLst>
+  </p:timing>
+</p:sld>
+</file>
+
+<file path=ppt/slides/slide33.xml><?xml version="1.0" encoding="utf-8"?>
+<p:sld xmlns:a="http://schemas.openxmlformats.org/drawingml/2006/main" xmlns:r="http://schemas.openxmlformats.org/officeDocument/2006/relationships" xmlns:p="http://schemas.openxmlformats.org/presentationml/2006/main">
+  <p:cSld>
+    <p:spTree>
+      <p:nvGrpSpPr>
+        <p:cNvPr id="1" name=""/>
+        <p:cNvGrpSpPr/>
+        <p:nvPr/>
+      </p:nvGrpSpPr>
+      <p:grpSpPr>
+        <a:xfrm>
+          <a:off x="0" y="0"/>
+          <a:ext cx="0" cy="0"/>
+          <a:chOff x="0" y="0"/>
+          <a:chExt cx="0" cy="0"/>
+        </a:xfrm>
+      </p:grpSpPr>
+      <p:sp>
+        <p:nvSpPr>
+          <p:cNvPr id="2" name="Title 1"/>
+          <p:cNvSpPr>
+            <a:spLocks noGrp="1"/>
+          </p:cNvSpPr>
+          <p:nvPr>
+            <p:ph type="title"/>
+          </p:nvPr>
+        </p:nvSpPr>
+        <p:spPr/>
+        <p:txBody>
+          <a:bodyPr>
+            <a:normAutofit fontScale="90000"/>
+          </a:bodyPr>
+          <a:lstStyle/>
+          <a:p>
+            <a:r>
+              <a:rPr lang="en-US" dirty="0" smtClean="0"/>
+              <a:t>How do we call </a:t>
+            </a:r>
+            <a:r>
+              <a:rPr lang="en-US" dirty="0" err="1" smtClean="0"/>
+              <a:t>makemigrations</a:t>
+            </a:r>
+            <a:r>
+              <a:rPr lang="en-US" dirty="0" smtClean="0"/>
+              <a:t>?</a:t>
+            </a:r>
+            <a:br>
+              <a:rPr lang="en-US" dirty="0" smtClean="0"/>
+            </a:br>
+            <a:endParaRPr lang="en-US" dirty="0"/>
+          </a:p>
+        </p:txBody>
+      </p:sp>
+      <p:sp>
+        <p:nvSpPr>
+          <p:cNvPr id="3" name="Content Placeholder 2"/>
+          <p:cNvSpPr>
+            <a:spLocks noGrp="1"/>
+          </p:cNvSpPr>
+          <p:nvPr>
+            <p:ph sz="quarter" idx="10"/>
+          </p:nvPr>
+        </p:nvSpPr>
+        <p:spPr/>
+        <p:txBody>
+          <a:bodyPr/>
+          <a:lstStyle/>
+          <a:p>
+            <a:r>
+              <a:rPr lang="en-US" dirty="0" err="1"/>
+              <a:t>makemigrations</a:t>
+            </a:r>
+            <a:r>
+              <a:rPr lang="en-US" dirty="0"/>
+              <a:t> </a:t>
+            </a:r>
+            <a:r>
+              <a:rPr lang="en-US" dirty="0" smtClean="0"/>
+              <a:t>parameters</a:t>
+            </a:r>
+          </a:p>
+          <a:p>
+            <a:pPr lvl="1">
+              <a:buFont typeface="Arial" panose="020B0604020202020204" pitchFamily="34" charset="0"/>
+              <a:buChar char="•"/>
+            </a:pPr>
+            <a:r>
+              <a:rPr lang="en-US" dirty="0" smtClean="0"/>
+              <a:t>--name</a:t>
+            </a:r>
+          </a:p>
+          <a:p>
+            <a:pPr lvl="2"/>
+            <a:r>
+              <a:rPr lang="en-US" dirty="0" smtClean="0"/>
+              <a:t>Name of the migration</a:t>
+            </a:r>
+          </a:p>
+          <a:p>
+            <a:pPr lvl="1">
+              <a:buFont typeface="Arial" panose="020B0604020202020204" pitchFamily="34" charset="0"/>
+              <a:buChar char="•"/>
+            </a:pPr>
+            <a:r>
+              <a:rPr lang="en-US" dirty="0" smtClean="0"/>
+              <a:t>App name</a:t>
+            </a:r>
+          </a:p>
+          <a:p>
+            <a:pPr lvl="2"/>
+            <a:r>
+              <a:rPr lang="en-US" dirty="0" smtClean="0"/>
+              <a:t>app by default</a:t>
+            </a:r>
+          </a:p>
+          <a:p>
+            <a:pPr lvl="1"/>
+            <a:endParaRPr lang="en-CA" dirty="0"/>
+          </a:p>
+          <a:p>
+            <a:pPr marL="457046" lvl="1" indent="0">
+              <a:buNone/>
+            </a:pPr>
+            <a:r>
+              <a:rPr lang="en-US" b="1" dirty="0">
+                <a:latin typeface="Consolas" panose="020B0609020204030204" pitchFamily="49" charset="0"/>
+                <a:cs typeface="Consolas" panose="020B0609020204030204" pitchFamily="49" charset="0"/>
+              </a:rPr>
+              <a:t>python manage.py </a:t>
+            </a:r>
+            <a:r>
+              <a:rPr lang="en-US" b="1" dirty="0" err="1">
+                <a:latin typeface="Consolas" panose="020B0609020204030204" pitchFamily="49" charset="0"/>
+                <a:cs typeface="Consolas" panose="020B0609020204030204" pitchFamily="49" charset="0"/>
+              </a:rPr>
+              <a:t>makemigrations</a:t>
+            </a:r>
+            <a:r>
+              <a:rPr lang="en-US" b="1" dirty="0">
+                <a:latin typeface="Consolas" panose="020B0609020204030204" pitchFamily="49" charset="0"/>
+                <a:cs typeface="Consolas" panose="020B0609020204030204" pitchFamily="49" charset="0"/>
+              </a:rPr>
+              <a:t> --name </a:t>
+            </a:r>
+            <a:r>
+              <a:rPr lang="en-US" b="1" i="1" dirty="0">
+                <a:latin typeface="Consolas" panose="020B0609020204030204" pitchFamily="49" charset="0"/>
+                <a:cs typeface="Consolas" panose="020B0609020204030204" pitchFamily="49" charset="0"/>
+              </a:rPr>
+              <a:t>initial</a:t>
+            </a:r>
+            <a:r>
+              <a:rPr lang="en-US" b="1" dirty="0">
+                <a:latin typeface="Consolas" panose="020B0609020204030204" pitchFamily="49" charset="0"/>
+                <a:cs typeface="Consolas" panose="020B0609020204030204" pitchFamily="49" charset="0"/>
+              </a:rPr>
+              <a:t> app</a:t>
+            </a:r>
+            <a:endParaRPr lang="en-US" dirty="0">
+              <a:latin typeface="Consolas" panose="020B0609020204030204" pitchFamily="49" charset="0"/>
+              <a:cs typeface="Consolas" panose="020B0609020204030204" pitchFamily="49" charset="0"/>
+            </a:endParaRPr>
+          </a:p>
+          <a:p>
+            <a:pPr marL="457046" lvl="1" indent="0">
+              <a:buNone/>
+            </a:pPr>
+            <a:endParaRPr lang="en-US" dirty="0"/>
+          </a:p>
+        </p:txBody>
+      </p:sp>
+    </p:spTree>
+    <p:extLst>
+      <p:ext uri="{BB962C8B-B14F-4D97-AF65-F5344CB8AC3E}">
+        <p14:creationId xmlns:p14="http://schemas.microsoft.com/office/powerpoint/2010/main" val="2278695284"/>
+      </p:ext>
+    </p:extLst>
+  </p:cSld>
+  <p:clrMapOvr>
+    <a:masterClrMapping/>
+  </p:clrMapOvr>
+  <p:timing>
+    <p:tnLst>
+      <p:par>
+        <p:cTn id="1" dur="indefinite" restart="never" nodeType="tmRoot"/>
+      </p:par>
+    </p:tnLst>
+  </p:timing>
+</p:sld>
+</file>
+
+<file path=ppt/slides/slide34.xml><?xml version="1.0" encoding="utf-8"?>
+<p:sld xmlns:a="http://schemas.openxmlformats.org/drawingml/2006/main" xmlns:r="http://schemas.openxmlformats.org/officeDocument/2006/relationships" xmlns:p="http://schemas.openxmlformats.org/presentationml/2006/main">
+  <p:cSld>
+    <p:spTree>
+      <p:nvGrpSpPr>
+        <p:cNvPr id="1" name=""/>
+        <p:cNvGrpSpPr/>
+        <p:nvPr/>
+      </p:nvGrpSpPr>
+      <p:grpSpPr>
+        <a:xfrm>
+          <a:off x="0" y="0"/>
+          <a:ext cx="0" cy="0"/>
+          <a:chOff x="0" y="0"/>
+          <a:chExt cx="0" cy="0"/>
+        </a:xfrm>
+      </p:grpSpPr>
+      <p:sp>
+        <p:nvSpPr>
+          <p:cNvPr id="2" name="Title 1"/>
+          <p:cNvSpPr>
+            <a:spLocks noGrp="1"/>
+          </p:cNvSpPr>
+          <p:nvPr>
+            <p:ph type="title"/>
+          </p:nvPr>
+        </p:nvSpPr>
+        <p:spPr/>
+        <p:txBody>
+          <a:bodyPr>
+            <a:normAutofit/>
+          </a:bodyPr>
+          <a:lstStyle/>
+          <a:p>
+            <a:r>
+              <a:rPr lang="en-US" dirty="0" smtClean="0"/>
+              <a:t>How do we execute these commands?</a:t>
+            </a:r>
+            <a:endParaRPr lang="en-US" dirty="0"/>
+          </a:p>
+        </p:txBody>
+      </p:sp>
+      <p:sp>
+        <p:nvSpPr>
+          <p:cNvPr id="3" name="Content Placeholder 2"/>
+          <p:cNvSpPr>
+            <a:spLocks noGrp="1"/>
+          </p:cNvSpPr>
+          <p:nvPr>
+            <p:ph sz="quarter" idx="10"/>
+          </p:nvPr>
+        </p:nvSpPr>
+        <p:spPr/>
+        <p:txBody>
+          <a:bodyPr/>
+          <a:lstStyle/>
+          <a:p>
+            <a:r>
+              <a:rPr lang="en-US" dirty="0" smtClean="0"/>
+              <a:t>Django provides a manage.py script file to be used for managing the database</a:t>
+            </a:r>
+          </a:p>
+          <a:p>
+            <a:r>
+              <a:rPr lang="en-US" dirty="0" smtClean="0"/>
+              <a:t>Must be executed from the command line</a:t>
+            </a:r>
+          </a:p>
+          <a:p>
+            <a:pPr lvl="1"/>
+            <a:r>
+              <a:rPr lang="en-US" dirty="0" smtClean="0"/>
+              <a:t>Visual Studio uses an older syntax</a:t>
+            </a:r>
+            <a:endParaRPr lang="en-US" dirty="0"/>
+          </a:p>
+        </p:txBody>
+      </p:sp>
+    </p:spTree>
+    <p:extLst>
+      <p:ext uri="{BB962C8B-B14F-4D97-AF65-F5344CB8AC3E}">
+        <p14:creationId xmlns:p14="http://schemas.microsoft.com/office/powerpoint/2010/main" val="657588015"/>
+      </p:ext>
+    </p:extLst>
+  </p:cSld>
+  <p:clrMapOvr>
+    <a:masterClrMapping/>
+  </p:clrMapOvr>
+  <p:timing>
+    <p:tnLst>
+      <p:par>
+        <p:cTn id="1" dur="indefinite" restart="never" nodeType="tmRoot"/>
+      </p:par>
+    </p:tnLst>
+  </p:timing>
+</p:sld>
+</file>
+
+<file path=ppt/slides/slide35.xml><?xml version="1.0" encoding="utf-8"?>
+<p:sld xmlns:a="http://schemas.openxmlformats.org/drawingml/2006/main" xmlns:r="http://schemas.openxmlformats.org/officeDocument/2006/relationships" xmlns:p="http://schemas.openxmlformats.org/presentationml/2006/main">
+  <p:cSld>
+    <p:spTree>
+      <p:nvGrpSpPr>
+        <p:cNvPr id="1" name=""/>
+        <p:cNvGrpSpPr/>
+        <p:nvPr/>
+      </p:nvGrpSpPr>
+      <p:grpSpPr>
+        <a:xfrm>
+          <a:off x="0" y="0"/>
+          <a:ext cx="0" cy="0"/>
+          <a:chOff x="0" y="0"/>
+          <a:chExt cx="0" cy="0"/>
+        </a:xfrm>
+      </p:grpSpPr>
+      <p:sp>
+        <p:nvSpPr>
+          <p:cNvPr id="2" name="Title 1"/>
+          <p:cNvSpPr>
+            <a:spLocks noGrp="1"/>
+          </p:cNvSpPr>
+          <p:nvPr>
+            <p:ph type="title"/>
+          </p:nvPr>
+        </p:nvSpPr>
+        <p:spPr/>
+        <p:txBody>
+          <a:bodyPr/>
+          <a:lstStyle/>
+          <a:p>
+            <a:r>
+              <a:rPr lang="en-US" dirty="0" smtClean="0"/>
+              <a:t>Creating and executing a migration</a:t>
+            </a:r>
+            <a:endParaRPr lang="en-US" dirty="0"/>
+          </a:p>
+        </p:txBody>
+      </p:sp>
+    </p:spTree>
+    <p:extLst>
+      <p:ext uri="{BB962C8B-B14F-4D97-AF65-F5344CB8AC3E}">
+        <p14:creationId xmlns:p14="http://schemas.microsoft.com/office/powerpoint/2010/main" val="2383354721"/>
+      </p:ext>
+    </p:extLst>
+  </p:cSld>
+  <p:clrMapOvr>
+    <a:masterClrMapping/>
+  </p:clrMapOvr>
+  <p:timing>
+    <p:tnLst>
+      <p:par>
+        <p:cTn id="1" dur="indefinite" restart="never" nodeType="tmRoot"/>
+      </p:par>
+    </p:tnLst>
+  </p:timing>
+</p:sld>
+</file>
+
+<file path=ppt/slides/slide36.xml><?xml version="1.0" encoding="utf-8"?>
 <p:sld xmlns:a="http://schemas.openxmlformats.org/drawingml/2006/main" xmlns:r="http://schemas.openxmlformats.org/officeDocument/2006/relationships" xmlns:p="http://schemas.openxmlformats.org/presentationml/2006/main">
   <p:cSld>
     <p:spTree>
@@ -7686,6 +10610,13 @@
   <p:clrMapOvr>
     <a:masterClrMapping/>
   </p:clrMapOvr>
+  <p:timing>
+    <p:tnLst>
+      <p:par>
+        <p:cTn id="1" dur="indefinite" restart="never" nodeType="tmRoot"/>
+      </p:par>
+    </p:tnLst>
+  </p:timing>
 </p:sld>
 </file>
 
@@ -7723,7 +10654,7 @@
           <a:p>
             <a:r>
               <a:rPr lang="en-US" dirty="0" smtClean="0"/>
-              <a:t>What’s a model?</a:t>
+              <a:t>What is a model?</a:t>
             </a:r>
             <a:endParaRPr lang="en-US" dirty="0"/>
           </a:p>
@@ -7752,22 +10683,34 @@
           <a:p>
             <a:pPr lvl="1"/>
             <a:r>
-              <a:rPr lang="en-US" dirty="0" smtClean="0"/>
-              <a:t>Model is the data the user needs to work with</a:t>
+              <a:rPr lang="en-US" b="1" dirty="0" smtClean="0"/>
+              <a:t>Model</a:t>
+            </a:r>
+            <a:r>
+              <a:rPr lang="en-US" dirty="0" smtClean="0"/>
+              <a:t> is the data </a:t>
             </a:r>
           </a:p>
           <a:p>
             <a:pPr lvl="1"/>
             <a:r>
-              <a:rPr lang="en-US" dirty="0" smtClean="0"/>
-              <a:t>View is how the user will see the data</a:t>
+              <a:rPr lang="en-US" b="1" dirty="0" smtClean="0"/>
+              <a:t>View</a:t>
+            </a:r>
+            <a:r>
+              <a:rPr lang="en-US" dirty="0" smtClean="0"/>
+              <a:t> is how the user sees the data</a:t>
             </a:r>
           </a:p>
           <a:p>
             <a:pPr lvl="1"/>
             <a:r>
-              <a:rPr lang="en-US" dirty="0" smtClean="0"/>
-              <a:t>Controller handles the user’s requests, such as creating a new item, and returns a view to display the result</a:t>
+              <a:rPr lang="en-US" b="1" dirty="0" smtClean="0"/>
+              <a:t>Controller</a:t>
+            </a:r>
+            <a:r>
+              <a:rPr lang="en-US" dirty="0" smtClean="0"/>
+              <a:t> handles the user’s requests, such as creating a new item, and returns a view to display the result</a:t>
             </a:r>
             <a:endParaRPr lang="en-US" dirty="0"/>
           </a:p>
@@ -7783,6 +10726,183 @@
   <p:clrMapOvr>
     <a:masterClrMapping/>
   </p:clrMapOvr>
+  <p:timing>
+    <p:tnLst>
+      <p:par>
+        <p:cTn id="1" dur="indefinite" restart="never" nodeType="tmRoot">
+          <p:childTnLst>
+            <p:seq concurrent="1" nextAc="seek">
+              <p:cTn id="2" dur="indefinite" nodeType="mainSeq">
+                <p:childTnLst>
+                  <p:par>
+                    <p:cTn id="3" fill="hold">
+                      <p:stCondLst>
+                        <p:cond delay="indefinite"/>
+                      </p:stCondLst>
+                      <p:childTnLst>
+                        <p:par>
+                          <p:cTn id="4" fill="hold">
+                            <p:stCondLst>
+                              <p:cond delay="0"/>
+                            </p:stCondLst>
+                            <p:childTnLst>
+                              <p:par>
+                                <p:cTn id="5" presetID="1" presetClass="entr" presetSubtype="0" fill="hold" nodeType="clickEffect">
+                                  <p:stCondLst>
+                                    <p:cond delay="0"/>
+                                  </p:stCondLst>
+                                  <p:childTnLst>
+                                    <p:set>
+                                      <p:cBhvr>
+                                        <p:cTn id="6" dur="1" fill="hold">
+                                          <p:stCondLst>
+                                            <p:cond delay="0"/>
+                                          </p:stCondLst>
+                                        </p:cTn>
+                                        <p:tgtEl>
+                                          <p:spTgt spid="3">
+                                            <p:txEl>
+                                              <p:pRg st="1" end="1"/>
+                                            </p:txEl>
+                                          </p:spTgt>
+                                        </p:tgtEl>
+                                        <p:attrNameLst>
+                                          <p:attrName>style.visibility</p:attrName>
+                                        </p:attrNameLst>
+                                      </p:cBhvr>
+                                      <p:to>
+                                        <p:strVal val="visible"/>
+                                      </p:to>
+                                    </p:set>
+                                  </p:childTnLst>
+                                </p:cTn>
+                              </p:par>
+                            </p:childTnLst>
+                          </p:cTn>
+                        </p:par>
+                      </p:childTnLst>
+                    </p:cTn>
+                  </p:par>
+                  <p:par>
+                    <p:cTn id="7" fill="hold">
+                      <p:stCondLst>
+                        <p:cond delay="indefinite"/>
+                      </p:stCondLst>
+                      <p:childTnLst>
+                        <p:par>
+                          <p:cTn id="8" fill="hold">
+                            <p:stCondLst>
+                              <p:cond delay="0"/>
+                            </p:stCondLst>
+                            <p:childTnLst>
+                              <p:par>
+                                <p:cTn id="9" presetID="1" presetClass="entr" presetSubtype="0" fill="hold" nodeType="clickEffect">
+                                  <p:stCondLst>
+                                    <p:cond delay="0"/>
+                                  </p:stCondLst>
+                                  <p:childTnLst>
+                                    <p:set>
+                                      <p:cBhvr>
+                                        <p:cTn id="10" dur="1" fill="hold">
+                                          <p:stCondLst>
+                                            <p:cond delay="0"/>
+                                          </p:stCondLst>
+                                        </p:cTn>
+                                        <p:tgtEl>
+                                          <p:spTgt spid="3">
+                                            <p:txEl>
+                                              <p:pRg st="2" end="2"/>
+                                            </p:txEl>
+                                          </p:spTgt>
+                                        </p:tgtEl>
+                                        <p:attrNameLst>
+                                          <p:attrName>style.visibility</p:attrName>
+                                        </p:attrNameLst>
+                                      </p:cBhvr>
+                                      <p:to>
+                                        <p:strVal val="visible"/>
+                                      </p:to>
+                                    </p:set>
+                                  </p:childTnLst>
+                                </p:cTn>
+                              </p:par>
+                            </p:childTnLst>
+                          </p:cTn>
+                        </p:par>
+                      </p:childTnLst>
+                    </p:cTn>
+                  </p:par>
+                  <p:par>
+                    <p:cTn id="11" fill="hold">
+                      <p:stCondLst>
+                        <p:cond delay="indefinite"/>
+                      </p:stCondLst>
+                      <p:childTnLst>
+                        <p:par>
+                          <p:cTn id="12" fill="hold">
+                            <p:stCondLst>
+                              <p:cond delay="0"/>
+                            </p:stCondLst>
+                            <p:childTnLst>
+                              <p:par>
+                                <p:cTn id="13" presetID="1" presetClass="entr" presetSubtype="0" fill="hold" nodeType="clickEffect">
+                                  <p:stCondLst>
+                                    <p:cond delay="0"/>
+                                  </p:stCondLst>
+                                  <p:childTnLst>
+                                    <p:set>
+                                      <p:cBhvr>
+                                        <p:cTn id="14" dur="1" fill="hold">
+                                          <p:stCondLst>
+                                            <p:cond delay="0"/>
+                                          </p:stCondLst>
+                                        </p:cTn>
+                                        <p:tgtEl>
+                                          <p:spTgt spid="3">
+                                            <p:txEl>
+                                              <p:pRg st="3" end="3"/>
+                                            </p:txEl>
+                                          </p:spTgt>
+                                        </p:tgtEl>
+                                        <p:attrNameLst>
+                                          <p:attrName>style.visibility</p:attrName>
+                                        </p:attrNameLst>
+                                      </p:cBhvr>
+                                      <p:to>
+                                        <p:strVal val="visible"/>
+                                      </p:to>
+                                    </p:set>
+                                  </p:childTnLst>
+                                </p:cTn>
+                              </p:par>
+                            </p:childTnLst>
+                          </p:cTn>
+                        </p:par>
+                      </p:childTnLst>
+                    </p:cTn>
+                  </p:par>
+                </p:childTnLst>
+              </p:cTn>
+              <p:prevCondLst>
+                <p:cond evt="onPrev" delay="0">
+                  <p:tgtEl>
+                    <p:sldTgt/>
+                  </p:tgtEl>
+                </p:cond>
+              </p:prevCondLst>
+              <p:nextCondLst>
+                <p:cond evt="onNext" delay="0">
+                  <p:tgtEl>
+                    <p:sldTgt/>
+                  </p:tgtEl>
+                </p:cond>
+              </p:nextCondLst>
+            </p:seq>
+          </p:childTnLst>
+        </p:cTn>
+      </p:par>
+    </p:tnLst>
+  </p:timing>
 </p:sld>
 </file>
 
@@ -10682,7 +13802,7 @@
           <a:p>
             <a:r>
               <a:rPr lang="en-US" dirty="0" smtClean="0"/>
-              <a:t>Could be a...</a:t>
+              <a:t>The data could be a...</a:t>
             </a:r>
           </a:p>
           <a:p>
@@ -10722,6 +13842,13 @@
   <p:clrMapOvr>
     <a:masterClrMapping/>
   </p:clrMapOvr>
+  <p:timing>
+    <p:tnLst>
+      <p:par>
+        <p:cTn id="1" dur="indefinite" restart="never" nodeType="tmRoot"/>
+      </p:par>
+    </p:tnLst>
+  </p:timing>
 </p:sld>
 </file>
 
@@ -10759,7 +13886,7 @@
           <a:p>
             <a:r>
               <a:rPr lang="en-US" dirty="0" smtClean="0"/>
-              <a:t>At the end of the day</a:t>
+              <a:t>In our code, a model is a class</a:t>
             </a:r>
             <a:endParaRPr lang="en-US" dirty="0"/>
           </a:p>
@@ -10893,6 +14020,13 @@
   <p:clrMapOvr>
     <a:masterClrMapping/>
   </p:clrMapOvr>
+  <p:timing>
+    <p:tnLst>
+      <p:par>
+        <p:cTn id="1" dur="indefinite" restart="never" nodeType="tmRoot"/>
+      </p:par>
+    </p:tnLst>
+  </p:timing>
 </p:sld>
 </file>
 
@@ -10965,6 +14099,13 @@
   <p:clrMapOvr>
     <a:masterClrMapping/>
   </p:clrMapOvr>
+  <p:timing>
+    <p:tnLst>
+      <p:par>
+        <p:cTn id="1" dur="indefinite" restart="never" nodeType="tmRoot"/>
+      </p:par>
+    </p:tnLst>
+  </p:timing>
 </p:sld>
 </file>
 
@@ -10997,12 +14138,14 @@
         </p:nvSpPr>
         <p:spPr/>
         <p:txBody>
-          <a:bodyPr/>
+          <a:bodyPr>
+            <a:normAutofit fontScale="90000"/>
+          </a:bodyPr>
           <a:lstStyle/>
           <a:p>
             <a:r>
               <a:rPr lang="en-US" dirty="0" smtClean="0"/>
-              <a:t>When you get right down to it</a:t>
+              <a:t>When you get right down to it most web apps are a front end to a database</a:t>
             </a:r>
             <a:endParaRPr lang="en-US" dirty="0"/>
           </a:p>
@@ -11025,25 +14168,16 @@
           <a:p>
             <a:r>
               <a:rPr lang="en-US" dirty="0" smtClean="0"/>
-              <a:t>Basically every web app is a front end to a database</a:t>
-            </a:r>
-          </a:p>
-          <a:p>
-            <a:pPr lvl="1"/>
-            <a:r>
-              <a:rPr lang="en-US" dirty="0" smtClean="0"/>
               <a:t>Customer management</a:t>
             </a:r>
           </a:p>
           <a:p>
-            <a:pPr lvl="1"/>
             <a:r>
               <a:rPr lang="en-US" dirty="0" smtClean="0"/>
               <a:t>Reservation system</a:t>
             </a:r>
           </a:p>
           <a:p>
-            <a:pPr lvl="1"/>
             <a:r>
               <a:rPr lang="en-US" dirty="0" smtClean="0"/>
               <a:t>Trivia application</a:t>
@@ -11062,6 +14196,13 @@
   <p:clrMapOvr>
     <a:masterClrMapping/>
   </p:clrMapOvr>
+  <p:timing>
+    <p:tnLst>
+      <p:par>
+        <p:cTn id="1" dur="indefinite" restart="never" nodeType="tmRoot"/>
+      </p:par>
+    </p:tnLst>
+  </p:timing>
 </p:sld>
 </file>
 
@@ -11873,6 +15014,15 @@
 </file>
 
 <file path=customXml/item1.xml><?xml version="1.0" encoding="utf-8"?>
+<?mso-contentType ?>
+<FormTemplates xmlns="http://schemas.microsoft.com/sharepoint/v3/contenttype/forms">
+  <Display>DocumentLibraryForm</Display>
+  <Edit>DocumentLibraryForm</Edit>
+  <New>DocumentLibraryForm</New>
+</FormTemplates>
+</file>
+
+<file path=customXml/item2.xml><?xml version="1.0" encoding="utf-8"?>
 <ct:contentTypeSchema xmlns:ct="http://schemas.microsoft.com/office/2006/metadata/contentType" xmlns:ma="http://schemas.microsoft.com/office/2006/metadata/properties/metaAttributes" ct:_="" ma:_="" ma:contentTypeName="Document" ma:contentTypeID="0x010100496889825850D44592AC5D2F43187AE4" ma:contentTypeVersion="5" ma:contentTypeDescription="Create a new document." ma:contentTypeScope="" ma:versionID="fde90edb5a63ba841bca516fd2abaf95">
   <xsd:schema xmlns:xsd="http://www.w3.org/2001/XMLSchema" xmlns:xs="http://www.w3.org/2001/XMLSchema" xmlns:p="http://schemas.microsoft.com/office/2006/metadata/properties" xmlns:ns1="http://schemas.microsoft.com/sharepoint/v3" xmlns:ns2="230e9df3-be65-4c73-a93b-d1236ebd677e" xmlns:ns3="27aa9422-7f1f-4c84-9cdf-302b1a67e513" targetNamespace="http://schemas.microsoft.com/office/2006/metadata/properties" ma:root="true" ma:fieldsID="5e7808ae941cc340dbe51a3031959734" ns1:_="" ns2:_="" ns3:_="">
     <xsd:import namespace="http://schemas.microsoft.com/sharepoint/v3"/>
@@ -12054,7 +15204,7 @@
 </ct:contentTypeSchema>
 </file>
 
-<file path=customXml/item2.xml><?xml version="1.0" encoding="utf-8"?>
+<file path=customXml/item3.xml><?xml version="1.0" encoding="utf-8"?>
 <p:properties xmlns:p="http://schemas.microsoft.com/office/2006/metadata/properties" xmlns:xsi="http://www.w3.org/2001/XMLSchema-instance" xmlns:pc="http://schemas.microsoft.com/office/infopath/2007/PartnerControls">
   <documentManagement>
     <TaxCatchAll xmlns="230e9df3-be65-4c73-a93b-d1236ebd677e"/>
@@ -12067,16 +15217,15 @@
 </p:properties>
 </file>
 
-<file path=customXml/item3.xml><?xml version="1.0" encoding="utf-8"?>
-<?mso-contentType ?>
-<FormTemplates xmlns="http://schemas.microsoft.com/sharepoint/v3/contenttype/forms">
-  <Display>DocumentLibraryForm</Display>
-  <Edit>DocumentLibraryForm</Edit>
-  <New>DocumentLibraryForm</New>
-</FormTemplates>
+<file path=customXml/itemProps1.xml><?xml version="1.0" encoding="utf-8"?>
+<ds:datastoreItem xmlns:ds="http://schemas.openxmlformats.org/officeDocument/2006/customXml" ds:itemID="{B0CA13EC-1D3C-4D6F-8D1C-E8A452CFC79A}">
+  <ds:schemaRefs>
+    <ds:schemaRef ds:uri="http://schemas.microsoft.com/sharepoint/v3/contenttype/forms"/>
+  </ds:schemaRefs>
+</ds:datastoreItem>
 </file>
 
-<file path=customXml/itemProps1.xml><?xml version="1.0" encoding="utf-8"?>
+<file path=customXml/itemProps2.xml><?xml version="1.0" encoding="utf-8"?>
 <ds:datastoreItem xmlns:ds="http://schemas.openxmlformats.org/officeDocument/2006/customXml" ds:itemID="{3253B29C-1CCD-4FE8-A1C4-023A0910DF96}">
   <ds:schemaRefs>
     <ds:schemaRef ds:uri="http://schemas.microsoft.com/office/2006/metadata/contentType"/>
@@ -12096,7 +15245,7 @@
 </ds:datastoreItem>
 </file>
 
-<file path=customXml/itemProps2.xml><?xml version="1.0" encoding="utf-8"?>
+<file path=customXml/itemProps3.xml><?xml version="1.0" encoding="utf-8"?>
 <ds:datastoreItem xmlns:ds="http://schemas.openxmlformats.org/officeDocument/2006/customXml" ds:itemID="{7025FDD9-4C58-4084-9F89-0E6ADD6FFF55}">
   <ds:schemaRefs>
     <ds:schemaRef ds:uri="http://schemas.microsoft.com/office/2006/documentManagement/types"/>
@@ -12112,12 +15261,4 @@
     <ds:schemaRef ds:uri="http://schemas.microsoft.com/sharepoint/v3"/>
   </ds:schemaRefs>
 </ds:datastoreItem>
-</file>
-
-<file path=customXml/itemProps3.xml><?xml version="1.0" encoding="utf-8"?>
-<ds:datastoreItem xmlns:ds="http://schemas.openxmlformats.org/officeDocument/2006/customXml" ds:itemID="{B0CA13EC-1D3C-4D6F-8D1C-E8A452CFC79A}">
-  <ds:schemaRefs>
-    <ds:schemaRef ds:uri="http://schemas.microsoft.com/sharepoint/v3/contenttype/forms"/>
-  </ds:schemaRefs>
-</ds:datastoreItem>
 </file>